--- a/Courses/Engineering Management/Lecture Notes/Lecture---5----INTRODUCTION-TO-PROJECT-MANAGEMENT--04032024-012750pm.pptx
+++ b/Courses/Engineering Management/Lecture Notes/Lecture---5----INTRODUCTION-TO-PROJECT-MANAGEMENT--04032024-012750pm.pptx
@@ -187,7 +187,7 @@
           </a:lstStyle>
           <a:p>
             <a:r>
-              <a:rPr lang="en-US" smtClean="0"/>
+              <a:rPr lang="en-US"/>
               <a:t>Click to edit Master title style</a:t>
             </a:r>
             <a:endParaRPr lang="en-US" dirty="0"/>
@@ -252,7 +252,7 @@
           </a:lstStyle>
           <a:p>
             <a:r>
-              <a:rPr lang="en-US" smtClean="0"/>
+              <a:rPr lang="en-US"/>
               <a:t>Click to edit Master subtitle style</a:t>
             </a:r>
             <a:endParaRPr lang="en-US" dirty="0"/>
@@ -276,7 +276,7 @@
           <a:p>
             <a:fld id="{990BEB60-4E24-47A0-A5C8-D13C51183C20}" type="datetimeFigureOut">
               <a:rPr lang="en-US" smtClean="0"/>
-              <a:t>3/2/2024</a:t>
+              <a:t>15-Apr-24</a:t>
             </a:fld>
             <a:endParaRPr lang="en-US"/>
           </a:p>
@@ -370,7 +370,7 @@
           <a:lstStyle/>
           <a:p>
             <a:r>
-              <a:rPr lang="en-US" smtClean="0"/>
+              <a:rPr lang="en-US"/>
               <a:t>Click to edit Master title style</a:t>
             </a:r>
             <a:endParaRPr lang="en-US" dirty="0"/>
@@ -394,35 +394,35 @@
           <a:p>
             <a:pPr lvl="0"/>
             <a:r>
-              <a:rPr lang="en-US" smtClean="0"/>
+              <a:rPr lang="en-US"/>
               <a:t>Click to edit Master text styles</a:t>
             </a:r>
           </a:p>
           <a:p>
             <a:pPr lvl="1"/>
             <a:r>
-              <a:rPr lang="en-US" smtClean="0"/>
+              <a:rPr lang="en-US"/>
               <a:t>Second level</a:t>
             </a:r>
           </a:p>
           <a:p>
             <a:pPr lvl="2"/>
             <a:r>
-              <a:rPr lang="en-US" smtClean="0"/>
+              <a:rPr lang="en-US"/>
               <a:t>Third level</a:t>
             </a:r>
           </a:p>
           <a:p>
             <a:pPr lvl="3"/>
             <a:r>
-              <a:rPr lang="en-US" smtClean="0"/>
+              <a:rPr lang="en-US"/>
               <a:t>Fourth level</a:t>
             </a:r>
           </a:p>
           <a:p>
             <a:pPr lvl="4"/>
             <a:r>
-              <a:rPr lang="en-US" smtClean="0"/>
+              <a:rPr lang="en-US"/>
               <a:t>Fifth level</a:t>
             </a:r>
             <a:endParaRPr lang="en-US" dirty="0"/>
@@ -446,7 +446,7 @@
           <a:p>
             <a:fld id="{990BEB60-4E24-47A0-A5C8-D13C51183C20}" type="datetimeFigureOut">
               <a:rPr lang="en-US" smtClean="0"/>
-              <a:t>3/2/2024</a:t>
+              <a:t>15-Apr-24</a:t>
             </a:fld>
             <a:endParaRPr lang="en-US"/>
           </a:p>
@@ -545,7 +545,7 @@
           <a:lstStyle/>
           <a:p>
             <a:r>
-              <a:rPr lang="en-US" smtClean="0"/>
+              <a:rPr lang="en-US"/>
               <a:t>Click to edit Master title style</a:t>
             </a:r>
             <a:endParaRPr lang="en-US" dirty="0"/>
@@ -574,35 +574,35 @@
           <a:p>
             <a:pPr lvl="0"/>
             <a:r>
-              <a:rPr lang="en-US" smtClean="0"/>
+              <a:rPr lang="en-US"/>
               <a:t>Click to edit Master text styles</a:t>
             </a:r>
           </a:p>
           <a:p>
             <a:pPr lvl="1"/>
             <a:r>
-              <a:rPr lang="en-US" smtClean="0"/>
+              <a:rPr lang="en-US"/>
               <a:t>Second level</a:t>
             </a:r>
           </a:p>
           <a:p>
             <a:pPr lvl="2"/>
             <a:r>
-              <a:rPr lang="en-US" smtClean="0"/>
+              <a:rPr lang="en-US"/>
               <a:t>Third level</a:t>
             </a:r>
           </a:p>
           <a:p>
             <a:pPr lvl="3"/>
             <a:r>
-              <a:rPr lang="en-US" smtClean="0"/>
+              <a:rPr lang="en-US"/>
               <a:t>Fourth level</a:t>
             </a:r>
           </a:p>
           <a:p>
             <a:pPr lvl="4"/>
             <a:r>
-              <a:rPr lang="en-US" smtClean="0"/>
+              <a:rPr lang="en-US"/>
               <a:t>Fifth level</a:t>
             </a:r>
             <a:endParaRPr lang="en-US" dirty="0"/>
@@ -626,7 +626,7 @@
           <a:p>
             <a:fld id="{990BEB60-4E24-47A0-A5C8-D13C51183C20}" type="datetimeFigureOut">
               <a:rPr lang="en-US" smtClean="0"/>
-              <a:t>3/2/2024</a:t>
+              <a:t>15-Apr-24</a:t>
             </a:fld>
             <a:endParaRPr lang="en-US"/>
           </a:p>
@@ -720,7 +720,7 @@
           <a:lstStyle/>
           <a:p>
             <a:r>
-              <a:rPr lang="en-US" smtClean="0"/>
+              <a:rPr lang="en-US"/>
               <a:t>Click to edit Master title style</a:t>
             </a:r>
             <a:endParaRPr lang="en-US" dirty="0"/>
@@ -744,35 +744,35 @@
           <a:p>
             <a:pPr lvl="0"/>
             <a:r>
-              <a:rPr lang="en-US" smtClean="0"/>
+              <a:rPr lang="en-US"/>
               <a:t>Click to edit Master text styles</a:t>
             </a:r>
           </a:p>
           <a:p>
             <a:pPr lvl="1"/>
             <a:r>
-              <a:rPr lang="en-US" smtClean="0"/>
+              <a:rPr lang="en-US"/>
               <a:t>Second level</a:t>
             </a:r>
           </a:p>
           <a:p>
             <a:pPr lvl="2"/>
             <a:r>
-              <a:rPr lang="en-US" smtClean="0"/>
+              <a:rPr lang="en-US"/>
               <a:t>Third level</a:t>
             </a:r>
           </a:p>
           <a:p>
             <a:pPr lvl="3"/>
             <a:r>
-              <a:rPr lang="en-US" smtClean="0"/>
+              <a:rPr lang="en-US"/>
               <a:t>Fourth level</a:t>
             </a:r>
           </a:p>
           <a:p>
             <a:pPr lvl="4"/>
             <a:r>
-              <a:rPr lang="en-US" smtClean="0"/>
+              <a:rPr lang="en-US"/>
               <a:t>Fifth level</a:t>
             </a:r>
             <a:endParaRPr lang="en-US" dirty="0"/>
@@ -796,7 +796,7 @@
           <a:p>
             <a:fld id="{990BEB60-4E24-47A0-A5C8-D13C51183C20}" type="datetimeFigureOut">
               <a:rPr lang="en-US" smtClean="0"/>
-              <a:t>3/2/2024</a:t>
+              <a:t>15-Apr-24</a:t>
             </a:fld>
             <a:endParaRPr lang="en-US"/>
           </a:p>
@@ -899,7 +899,7 @@
           </a:lstStyle>
           <a:p>
             <a:r>
-              <a:rPr lang="en-US" smtClean="0"/>
+              <a:rPr lang="en-US"/>
               <a:t>Click to edit Master title style</a:t>
             </a:r>
             <a:endParaRPr lang="en-US" dirty="0"/>
@@ -1019,7 +1019,7 @@
           <a:p>
             <a:pPr lvl="0"/>
             <a:r>
-              <a:rPr lang="en-US" smtClean="0"/>
+              <a:rPr lang="en-US"/>
               <a:t>Click to edit Master text styles</a:t>
             </a:r>
           </a:p>
@@ -1042,7 +1042,7 @@
           <a:p>
             <a:fld id="{990BEB60-4E24-47A0-A5C8-D13C51183C20}" type="datetimeFigureOut">
               <a:rPr lang="en-US" smtClean="0"/>
-              <a:t>3/2/2024</a:t>
+              <a:t>15-Apr-24</a:t>
             </a:fld>
             <a:endParaRPr lang="en-US"/>
           </a:p>
@@ -1136,7 +1136,7 @@
           <a:lstStyle/>
           <a:p>
             <a:r>
-              <a:rPr lang="en-US" smtClean="0"/>
+              <a:rPr lang="en-US"/>
               <a:t>Click to edit Master title style</a:t>
             </a:r>
             <a:endParaRPr lang="en-US" dirty="0"/>
@@ -1165,35 +1165,35 @@
           <a:p>
             <a:pPr lvl="0"/>
             <a:r>
-              <a:rPr lang="en-US" smtClean="0"/>
+              <a:rPr lang="en-US"/>
               <a:t>Click to edit Master text styles</a:t>
             </a:r>
           </a:p>
           <a:p>
             <a:pPr lvl="1"/>
             <a:r>
-              <a:rPr lang="en-US" smtClean="0"/>
+              <a:rPr lang="en-US"/>
               <a:t>Second level</a:t>
             </a:r>
           </a:p>
           <a:p>
             <a:pPr lvl="2"/>
             <a:r>
-              <a:rPr lang="en-US" smtClean="0"/>
+              <a:rPr lang="en-US"/>
               <a:t>Third level</a:t>
             </a:r>
           </a:p>
           <a:p>
             <a:pPr lvl="3"/>
             <a:r>
-              <a:rPr lang="en-US" smtClean="0"/>
+              <a:rPr lang="en-US"/>
               <a:t>Fourth level</a:t>
             </a:r>
           </a:p>
           <a:p>
             <a:pPr lvl="4"/>
             <a:r>
-              <a:rPr lang="en-US" smtClean="0"/>
+              <a:rPr lang="en-US"/>
               <a:t>Fifth level</a:t>
             </a:r>
             <a:endParaRPr lang="en-US" dirty="0"/>
@@ -1222,35 +1222,35 @@
           <a:p>
             <a:pPr lvl="0"/>
             <a:r>
-              <a:rPr lang="en-US" smtClean="0"/>
+              <a:rPr lang="en-US"/>
               <a:t>Click to edit Master text styles</a:t>
             </a:r>
           </a:p>
           <a:p>
             <a:pPr lvl="1"/>
             <a:r>
-              <a:rPr lang="en-US" smtClean="0"/>
+              <a:rPr lang="en-US"/>
               <a:t>Second level</a:t>
             </a:r>
           </a:p>
           <a:p>
             <a:pPr lvl="2"/>
             <a:r>
-              <a:rPr lang="en-US" smtClean="0"/>
+              <a:rPr lang="en-US"/>
               <a:t>Third level</a:t>
             </a:r>
           </a:p>
           <a:p>
             <a:pPr lvl="3"/>
             <a:r>
-              <a:rPr lang="en-US" smtClean="0"/>
+              <a:rPr lang="en-US"/>
               <a:t>Fourth level</a:t>
             </a:r>
           </a:p>
           <a:p>
             <a:pPr lvl="4"/>
             <a:r>
-              <a:rPr lang="en-US" smtClean="0"/>
+              <a:rPr lang="en-US"/>
               <a:t>Fifth level</a:t>
             </a:r>
             <a:endParaRPr lang="en-US" dirty="0"/>
@@ -1274,7 +1274,7 @@
           <a:p>
             <a:fld id="{990BEB60-4E24-47A0-A5C8-D13C51183C20}" type="datetimeFigureOut">
               <a:rPr lang="en-US" smtClean="0"/>
-              <a:t>3/2/2024</a:t>
+              <a:t>15-Apr-24</a:t>
             </a:fld>
             <a:endParaRPr lang="en-US"/>
           </a:p>
@@ -1373,7 +1373,7 @@
           <a:lstStyle/>
           <a:p>
             <a:r>
-              <a:rPr lang="en-US" smtClean="0"/>
+              <a:rPr lang="en-US"/>
               <a:t>Click to edit Master title style</a:t>
             </a:r>
             <a:endParaRPr lang="en-US" dirty="0"/>
@@ -1439,7 +1439,7 @@
           <a:p>
             <a:pPr lvl="0"/>
             <a:r>
-              <a:rPr lang="en-US" smtClean="0"/>
+              <a:rPr lang="en-US"/>
               <a:t>Click to edit Master text styles</a:t>
             </a:r>
           </a:p>
@@ -1467,35 +1467,35 @@
           <a:p>
             <a:pPr lvl="0"/>
             <a:r>
-              <a:rPr lang="en-US" smtClean="0"/>
+              <a:rPr lang="en-US"/>
               <a:t>Click to edit Master text styles</a:t>
             </a:r>
           </a:p>
           <a:p>
             <a:pPr lvl="1"/>
             <a:r>
-              <a:rPr lang="en-US" smtClean="0"/>
+              <a:rPr lang="en-US"/>
               <a:t>Second level</a:t>
             </a:r>
           </a:p>
           <a:p>
             <a:pPr lvl="2"/>
             <a:r>
-              <a:rPr lang="en-US" smtClean="0"/>
+              <a:rPr lang="en-US"/>
               <a:t>Third level</a:t>
             </a:r>
           </a:p>
           <a:p>
             <a:pPr lvl="3"/>
             <a:r>
-              <a:rPr lang="en-US" smtClean="0"/>
+              <a:rPr lang="en-US"/>
               <a:t>Fourth level</a:t>
             </a:r>
           </a:p>
           <a:p>
             <a:pPr lvl="4"/>
             <a:r>
-              <a:rPr lang="en-US" smtClean="0"/>
+              <a:rPr lang="en-US"/>
               <a:t>Fifth level</a:t>
             </a:r>
             <a:endParaRPr lang="en-US" dirty="0"/>
@@ -1561,7 +1561,7 @@
           <a:p>
             <a:pPr lvl="0"/>
             <a:r>
-              <a:rPr lang="en-US" smtClean="0"/>
+              <a:rPr lang="en-US"/>
               <a:t>Click to edit Master text styles</a:t>
             </a:r>
           </a:p>
@@ -1589,35 +1589,35 @@
           <a:p>
             <a:pPr lvl="0"/>
             <a:r>
-              <a:rPr lang="en-US" smtClean="0"/>
+              <a:rPr lang="en-US"/>
               <a:t>Click to edit Master text styles</a:t>
             </a:r>
           </a:p>
           <a:p>
             <a:pPr lvl="1"/>
             <a:r>
-              <a:rPr lang="en-US" smtClean="0"/>
+              <a:rPr lang="en-US"/>
               <a:t>Second level</a:t>
             </a:r>
           </a:p>
           <a:p>
             <a:pPr lvl="2"/>
             <a:r>
-              <a:rPr lang="en-US" smtClean="0"/>
+              <a:rPr lang="en-US"/>
               <a:t>Third level</a:t>
             </a:r>
           </a:p>
           <a:p>
             <a:pPr lvl="3"/>
             <a:r>
-              <a:rPr lang="en-US" smtClean="0"/>
+              <a:rPr lang="en-US"/>
               <a:t>Fourth level</a:t>
             </a:r>
           </a:p>
           <a:p>
             <a:pPr lvl="4"/>
             <a:r>
-              <a:rPr lang="en-US" smtClean="0"/>
+              <a:rPr lang="en-US"/>
               <a:t>Fifth level</a:t>
             </a:r>
             <a:endParaRPr lang="en-US" dirty="0"/>
@@ -1641,7 +1641,7 @@
           <a:p>
             <a:fld id="{990BEB60-4E24-47A0-A5C8-D13C51183C20}" type="datetimeFigureOut">
               <a:rPr lang="en-US" smtClean="0"/>
-              <a:t>3/2/2024</a:t>
+              <a:t>15-Apr-24</a:t>
             </a:fld>
             <a:endParaRPr lang="en-US"/>
           </a:p>
@@ -1735,7 +1735,7 @@
           <a:lstStyle/>
           <a:p>
             <a:r>
-              <a:rPr lang="en-US" smtClean="0"/>
+              <a:rPr lang="en-US"/>
               <a:t>Click to edit Master title style</a:t>
             </a:r>
             <a:endParaRPr lang="en-US" dirty="0"/>
@@ -1759,7 +1759,7 @@
           <a:p>
             <a:fld id="{990BEB60-4E24-47A0-A5C8-D13C51183C20}" type="datetimeFigureOut">
               <a:rPr lang="en-US" smtClean="0"/>
-              <a:t>3/2/2024</a:t>
+              <a:t>15-Apr-24</a:t>
             </a:fld>
             <a:endParaRPr lang="en-US"/>
           </a:p>
@@ -1854,7 +1854,7 @@
           <a:p>
             <a:fld id="{990BEB60-4E24-47A0-A5C8-D13C51183C20}" type="datetimeFigureOut">
               <a:rPr lang="en-US" smtClean="0"/>
-              <a:t>3/2/2024</a:t>
+              <a:t>15-Apr-24</a:t>
             </a:fld>
             <a:endParaRPr lang="en-US"/>
           </a:p>
@@ -1957,7 +1957,7 @@
           </a:lstStyle>
           <a:p>
             <a:r>
-              <a:rPr lang="en-US" smtClean="0"/>
+              <a:rPr lang="en-US"/>
               <a:t>Click to edit Master title style</a:t>
             </a:r>
             <a:endParaRPr lang="en-US" dirty="0"/>
@@ -2014,35 +2014,35 @@
           <a:p>
             <a:pPr lvl="0"/>
             <a:r>
-              <a:rPr lang="en-US" smtClean="0"/>
+              <a:rPr lang="en-US"/>
               <a:t>Click to edit Master text styles</a:t>
             </a:r>
           </a:p>
           <a:p>
             <a:pPr lvl="1"/>
             <a:r>
-              <a:rPr lang="en-US" smtClean="0"/>
+              <a:rPr lang="en-US"/>
               <a:t>Second level</a:t>
             </a:r>
           </a:p>
           <a:p>
             <a:pPr lvl="2"/>
             <a:r>
-              <a:rPr lang="en-US" smtClean="0"/>
+              <a:rPr lang="en-US"/>
               <a:t>Third level</a:t>
             </a:r>
           </a:p>
           <a:p>
             <a:pPr lvl="3"/>
             <a:r>
-              <a:rPr lang="en-US" smtClean="0"/>
+              <a:rPr lang="en-US"/>
               <a:t>Fourth level</a:t>
             </a:r>
           </a:p>
           <a:p>
             <a:pPr lvl="4"/>
             <a:r>
-              <a:rPr lang="en-US" smtClean="0"/>
+              <a:rPr lang="en-US"/>
               <a:t>Fifth level</a:t>
             </a:r>
             <a:endParaRPr lang="en-US" dirty="0"/>
@@ -2108,7 +2108,7 @@
           <a:p>
             <a:pPr lvl="0"/>
             <a:r>
-              <a:rPr lang="en-US" smtClean="0"/>
+              <a:rPr lang="en-US"/>
               <a:t>Click to edit Master text styles</a:t>
             </a:r>
           </a:p>
@@ -2131,7 +2131,7 @@
           <a:p>
             <a:fld id="{990BEB60-4E24-47A0-A5C8-D13C51183C20}" type="datetimeFigureOut">
               <a:rPr lang="en-US" smtClean="0"/>
-              <a:t>3/2/2024</a:t>
+              <a:t>15-Apr-24</a:t>
             </a:fld>
             <a:endParaRPr lang="en-US"/>
           </a:p>
@@ -2234,7 +2234,7 @@
           </a:lstStyle>
           <a:p>
             <a:r>
-              <a:rPr lang="en-US" smtClean="0"/>
+              <a:rPr lang="en-US"/>
               <a:t>Click to edit Master title style</a:t>
             </a:r>
             <a:endParaRPr lang="en-US" dirty="0"/>
@@ -2299,7 +2299,7 @@
           </a:lstStyle>
           <a:p>
             <a:r>
-              <a:rPr lang="en-US" smtClean="0"/>
+              <a:rPr lang="en-US"/>
               <a:t>Click icon to add picture</a:t>
             </a:r>
             <a:endParaRPr lang="en-US" dirty="0"/>
@@ -2365,7 +2365,7 @@
           <a:p>
             <a:pPr lvl="0"/>
             <a:r>
-              <a:rPr lang="en-US" smtClean="0"/>
+              <a:rPr lang="en-US"/>
               <a:t>Click to edit Master text styles</a:t>
             </a:r>
           </a:p>
@@ -2388,7 +2388,7 @@
           <a:p>
             <a:fld id="{990BEB60-4E24-47A0-A5C8-D13C51183C20}" type="datetimeFigureOut">
               <a:rPr lang="en-US" smtClean="0"/>
-              <a:t>3/2/2024</a:t>
+              <a:t>15-Apr-24</a:t>
             </a:fld>
             <a:endParaRPr lang="en-US"/>
           </a:p>
@@ -2502,7 +2502,7 @@
           <a:lstStyle/>
           <a:p>
             <a:r>
-              <a:rPr lang="en-US" smtClean="0"/>
+              <a:rPr lang="en-US"/>
               <a:t>Click to edit Master title style</a:t>
             </a:r>
             <a:endParaRPr lang="en-US" dirty="0"/>
@@ -2536,35 +2536,35 @@
           <a:p>
             <a:pPr lvl="0"/>
             <a:r>
-              <a:rPr lang="en-US" smtClean="0"/>
+              <a:rPr lang="en-US"/>
               <a:t>Click to edit Master text styles</a:t>
             </a:r>
           </a:p>
           <a:p>
             <a:pPr lvl="1"/>
             <a:r>
-              <a:rPr lang="en-US" smtClean="0"/>
+              <a:rPr lang="en-US"/>
               <a:t>Second level</a:t>
             </a:r>
           </a:p>
           <a:p>
             <a:pPr lvl="2"/>
             <a:r>
-              <a:rPr lang="en-US" smtClean="0"/>
+              <a:rPr lang="en-US"/>
               <a:t>Third level</a:t>
             </a:r>
           </a:p>
           <a:p>
             <a:pPr lvl="3"/>
             <a:r>
-              <a:rPr lang="en-US" smtClean="0"/>
+              <a:rPr lang="en-US"/>
               <a:t>Fourth level</a:t>
             </a:r>
           </a:p>
           <a:p>
             <a:pPr lvl="4"/>
             <a:r>
-              <a:rPr lang="en-US" smtClean="0"/>
+              <a:rPr lang="en-US"/>
               <a:t>Fifth level</a:t>
             </a:r>
             <a:endParaRPr lang="en-US" dirty="0"/>
@@ -2606,7 +2606,7 @@
           <a:p>
             <a:fld id="{990BEB60-4E24-47A0-A5C8-D13C51183C20}" type="datetimeFigureOut">
               <a:rPr lang="en-US" smtClean="0"/>
-              <a:t>3/2/2024</a:t>
+              <a:t>15-Apr-24</a:t>
             </a:fld>
             <a:endParaRPr lang="en-US"/>
           </a:p>
@@ -3097,7 +3097,7 @@
           <a:p>
             <a:pPr algn="ctr"/>
             <a:r>
-              <a:rPr lang="en-US" sz="5400" b="0" cap="none" spc="0" dirty="0" smtClean="0">
+              <a:rPr lang="en-US" sz="5400" b="0" cap="none" spc="0" dirty="0">
                 <a:ln w="0"/>
                 <a:solidFill>
                   <a:schemeClr val="tx1"/>
@@ -3112,19 +3112,6 @@
               </a:rPr>
               <a:t>PROJECT MANAGEMENT</a:t>
             </a:r>
-            <a:endParaRPr lang="en-US" sz="5400" b="0" cap="none" spc="0" dirty="0">
-              <a:ln w="0"/>
-              <a:solidFill>
-                <a:schemeClr val="tx1"/>
-              </a:solidFill>
-              <a:effectLst>
-                <a:outerShdw blurRad="38100" dist="19050" dir="2700000" algn="tl" rotWithShape="0">
-                  <a:schemeClr val="dk1">
-                    <a:alpha val="40000"/>
-                  </a:schemeClr>
-                </a:outerShdw>
-              </a:effectLst>
-            </a:endParaRPr>
           </a:p>
         </p:txBody>
       </p:sp>
@@ -3152,7 +3139,7 @@
           <a:p>
             <a:pPr algn="ctr"/>
             <a:r>
-              <a:rPr lang="en-US" sz="2800" dirty="0" smtClean="0">
+              <a:rPr lang="en-US" sz="2800" dirty="0">
                 <a:ln w="0"/>
                 <a:effectLst>
                   <a:outerShdw blurRad="38100" dist="19050" dir="2700000" algn="tl" rotWithShape="0">
@@ -3233,7 +3220,7 @@
           <a:p>
             <a:pPr algn="just"/>
             <a:r>
-              <a:rPr lang="en-US" sz="2400" b="1" i="0" u="none" strike="noStrike" baseline="0" dirty="0" smtClean="0">
+              <a:rPr lang="en-US" sz="2400" b="1" i="0" u="none" strike="noStrike" baseline="0" dirty="0">
                 <a:solidFill>
                   <a:srgbClr val="FF0000"/>
                 </a:solidFill>
@@ -3244,26 +3231,26 @@
           </a:p>
           <a:p>
             <a:pPr algn="just"/>
-            <a:endParaRPr lang="en-US" sz="2400" b="0" i="0" u="none" strike="noStrike" baseline="0" dirty="0" smtClean="0">
+            <a:endParaRPr lang="en-US" sz="2400" b="0" i="0" u="none" strike="noStrike" baseline="0" dirty="0">
               <a:latin typeface="HelveticaNeue-MediumCond"/>
             </a:endParaRPr>
           </a:p>
           <a:p>
             <a:pPr algn="just"/>
             <a:r>
-              <a:rPr lang="en-US" sz="2400" b="0" i="0" u="none" strike="noStrike" baseline="0" dirty="0" smtClean="0">
+              <a:rPr lang="en-US" sz="2400" b="0" i="0" u="none" strike="noStrike" baseline="0" dirty="0">
                 <a:latin typeface="HelveticaNeue-Condensed"/>
               </a:rPr>
               <a:t>The project charter is defined as a </a:t>
             </a:r>
             <a:r>
-              <a:rPr lang="en-US" sz="2400" b="1" i="0" u="none" strike="noStrike" baseline="0" dirty="0" smtClean="0">
+              <a:rPr lang="en-US" sz="2400" b="1" i="0" u="none" strike="noStrike" baseline="0" dirty="0">
                 <a:latin typeface="HelveticaNeue-Condensed"/>
               </a:rPr>
               <a:t>document issued by the project sponsor </a:t>
             </a:r>
             <a:r>
-              <a:rPr lang="en-US" sz="2400" b="0" i="0" u="none" strike="noStrike" baseline="0" dirty="0" smtClean="0">
+              <a:rPr lang="en-US" sz="2400" b="0" i="0" u="none" strike="noStrike" baseline="0" dirty="0">
                 <a:latin typeface="HelveticaNeue-Condensed"/>
               </a:rPr>
               <a:t>that formally authorizes the existence of a project and provides the project manager with the authority to apply organizational resources to project activities.</a:t>
@@ -3277,26 +3264,26 @@
           </a:p>
           <a:p>
             <a:pPr algn="just"/>
-            <a:endParaRPr lang="en-US" sz="2400" b="0" i="0" u="none" strike="noStrike" baseline="0" dirty="0" smtClean="0">
+            <a:endParaRPr lang="en-US" sz="2400" b="0" i="0" u="none" strike="noStrike" baseline="0" dirty="0">
               <a:latin typeface="HelveticaNeue-Condensed"/>
             </a:endParaRPr>
           </a:p>
           <a:p>
             <a:pPr algn="just"/>
             <a:r>
-              <a:rPr lang="en-US" sz="2400" b="0" i="0" u="none" strike="noStrike" baseline="0" dirty="0" smtClean="0">
+              <a:rPr lang="en-US" sz="2400" b="0" i="0" u="none" strike="noStrike" baseline="0" dirty="0">
                 <a:latin typeface="HelveticaNeue-Condensed"/>
               </a:rPr>
               <a:t>The project </a:t>
             </a:r>
             <a:r>
-              <a:rPr lang="en-US" sz="2400" b="1" i="0" u="none" strike="noStrike" baseline="0" dirty="0" smtClean="0">
+              <a:rPr lang="en-US" sz="2400" b="1" i="0" u="none" strike="noStrike" baseline="0" dirty="0">
                 <a:latin typeface="HelveticaNeue-Condensed"/>
               </a:rPr>
               <a:t>management plan </a:t>
             </a:r>
             <a:r>
-              <a:rPr lang="en-US" sz="2400" b="0" i="0" u="none" strike="noStrike" baseline="0" dirty="0" smtClean="0">
+              <a:rPr lang="en-US" sz="2400" b="0" i="0" u="none" strike="noStrike" baseline="0" dirty="0">
                 <a:latin typeface="HelveticaNeue-Condensed"/>
               </a:rPr>
               <a:t>is defined as the document that describes how the project will be executed, monitored, and controlled</a:t>
@@ -3357,7 +3344,7 @@
           <a:lstStyle/>
           <a:p>
             <a:r>
-              <a:rPr lang="en-US" sz="2400" b="1" i="0" u="none" strike="noStrike" baseline="0" dirty="0" smtClean="0">
+              <a:rPr lang="en-US" sz="2400" b="1" i="0" u="none" strike="noStrike" baseline="0" dirty="0">
                 <a:latin typeface="HelveticaNeue-MediumCond"/>
               </a:rPr>
               <a:t>PROJECT SUCCESS MEASURES</a:t>
@@ -3369,14 +3356,14 @@
             </a:endParaRPr>
           </a:p>
           <a:p>
-            <a:endParaRPr lang="en-US" sz="2400" b="0" i="0" u="none" strike="noStrike" baseline="0" dirty="0" smtClean="0">
+            <a:endParaRPr lang="en-US" sz="2400" b="0" i="0" u="none" strike="noStrike" baseline="0" dirty="0">
               <a:latin typeface="HelveticaNeue-MediumCond"/>
             </a:endParaRPr>
           </a:p>
           <a:p>
             <a:pPr algn="just"/>
             <a:r>
-              <a:rPr lang="en-US" sz="2400" b="0" i="0" u="none" strike="noStrike" baseline="0" dirty="0" smtClean="0">
+              <a:rPr lang="en-US" sz="2400" b="0" i="0" u="none" strike="noStrike" baseline="0" dirty="0">
                 <a:latin typeface="HelveticaNeue-Condensed"/>
               </a:rPr>
               <a:t>One of the most common challenges in project management is determining whether or not a project is successful.</a:t>
@@ -3384,20 +3371,20 @@
           </a:p>
           <a:p>
             <a:pPr algn="just"/>
-            <a:endParaRPr lang="en-US" sz="2400" b="0" i="0" u="none" strike="noStrike" baseline="0" dirty="0" smtClean="0">
+            <a:endParaRPr lang="en-US" sz="2400" b="0" i="0" u="none" strike="noStrike" baseline="0" dirty="0">
               <a:latin typeface="HelveticaNeue-Condensed"/>
             </a:endParaRPr>
           </a:p>
           <a:p>
             <a:pPr algn="just"/>
             <a:r>
-              <a:rPr lang="en-US" sz="2400" b="1" i="0" u="none" strike="noStrike" baseline="0" dirty="0" smtClean="0">
+              <a:rPr lang="en-US" sz="2400" b="1" i="0" u="none" strike="noStrike" baseline="0" dirty="0">
                 <a:latin typeface="HelveticaNeue-Condensed"/>
               </a:rPr>
               <a:t>Traditionally, the project management metrics of time, cost, scope, and quality are the most important factors in defining the success of a project</a:t>
             </a:r>
             <a:r>
-              <a:rPr lang="en-US" sz="2400" b="0" i="0" u="none" strike="noStrike" baseline="0" dirty="0" smtClean="0">
+              <a:rPr lang="en-US" sz="2400" b="0" i="0" u="none" strike="noStrike" baseline="0" dirty="0">
                 <a:latin typeface="HelveticaNeue-Condensed"/>
               </a:rPr>
               <a:t>. More recently, practitioners and scholars have determined that project success should also be measured with consideration toward achievement of the project objectives.</a:t>
@@ -3405,14 +3392,14 @@
           </a:p>
           <a:p>
             <a:pPr algn="just"/>
-            <a:endParaRPr lang="en-US" sz="2400" b="0" i="0" u="none" strike="noStrike" baseline="0" dirty="0" smtClean="0">
+            <a:endParaRPr lang="en-US" sz="2400" b="0" i="0" u="none" strike="noStrike" baseline="0" dirty="0">
               <a:latin typeface="HelveticaNeue-Condensed"/>
             </a:endParaRPr>
           </a:p>
           <a:p>
             <a:pPr algn="just"/>
             <a:r>
-              <a:rPr lang="en-US" sz="2400" b="0" i="0" u="none" strike="noStrike" baseline="0" dirty="0" smtClean="0">
+              <a:rPr lang="en-US" sz="2400" b="0" i="0" u="none" strike="noStrike" baseline="0" dirty="0">
                 <a:latin typeface="HelveticaNeue-Condensed"/>
               </a:rPr>
               <a:t>Project stakeholders may have different ideas as to what the successful completion of a project will look like and which factors are the most important. It is critical to clearly document the project objectives and to select objectives that are measurable. </a:t>
@@ -3421,7 +3408,7 @@
           <a:p>
             <a:pPr algn="just"/>
             <a:r>
-              <a:rPr lang="en-US" sz="2400" b="0" i="0" u="none" strike="noStrike" baseline="0" dirty="0" smtClean="0">
+              <a:rPr lang="en-US" sz="2400" b="0" i="0" u="none" strike="noStrike" baseline="0" dirty="0">
                 <a:latin typeface="HelveticaNeue-Condensed"/>
               </a:rPr>
               <a:t>Three questions that the key stakeholders and the project manager should answer are:</a:t>
@@ -3433,7 +3420,7 @@
               <a:buChar char="q"/>
             </a:pPr>
             <a:r>
-              <a:rPr lang="en-US" sz="2400" b="0" i="0" u="none" strike="noStrike" baseline="0" dirty="0" smtClean="0">
+              <a:rPr lang="en-US" sz="2400" b="0" i="0" u="none" strike="noStrike" baseline="0" dirty="0">
                 <a:latin typeface="HelveticaNeue-Condensed"/>
               </a:rPr>
               <a:t>What does success look like for this project?</a:t>
@@ -3445,7 +3432,7 @@
               <a:buChar char="q"/>
             </a:pPr>
             <a:r>
-              <a:rPr lang="en-US" sz="2400" b="0" i="0" u="none" strike="noStrike" baseline="0" dirty="0" smtClean="0">
+              <a:rPr lang="en-US" sz="2400" b="0" i="0" u="none" strike="noStrike" baseline="0" dirty="0">
                 <a:latin typeface="HelveticaNeue-Condensed"/>
               </a:rPr>
               <a:t>How will success be measured?</a:t>
@@ -3457,7 +3444,7 @@
               <a:buChar char="q"/>
             </a:pPr>
             <a:r>
-              <a:rPr lang="en-US" sz="2400" b="0" i="0" u="none" strike="noStrike" baseline="0" dirty="0" smtClean="0">
+              <a:rPr lang="en-US" sz="2400" b="0" i="0" u="none" strike="noStrike" baseline="0" dirty="0">
                 <a:latin typeface="HelveticaNeue-Condensed"/>
               </a:rPr>
               <a:t>What factors may impact success?</a:t>
@@ -3518,27 +3505,27 @@
           <a:lstStyle/>
           <a:p>
             <a:r>
-              <a:rPr lang="en-US" sz="2800" b="0" i="0" u="none" strike="noStrike" baseline="0" dirty="0" smtClean="0">
+              <a:rPr lang="en-US" sz="2800" b="0" i="0" u="none" strike="noStrike" baseline="0" dirty="0">
                 <a:latin typeface="HelveticaNeue-Condensed"/>
               </a:rPr>
               <a:t>Completing the project benefits management plan;</a:t>
             </a:r>
           </a:p>
           <a:p>
-            <a:endParaRPr lang="en-US" sz="2800" b="0" i="0" u="none" strike="noStrike" baseline="0" dirty="0" smtClean="0">
+            <a:endParaRPr lang="en-US" sz="2800" b="0" i="0" u="none" strike="noStrike" baseline="0" dirty="0">
               <a:latin typeface="HelveticaNeue-Condensed"/>
             </a:endParaRPr>
           </a:p>
           <a:p>
             <a:r>
-              <a:rPr lang="en-US" sz="2800" b="0" i="0" u="none" strike="noStrike" baseline="0" dirty="0" smtClean="0">
+              <a:rPr lang="en-US" sz="2800" b="0" i="0" u="none" strike="noStrike" baseline="0" dirty="0">
                 <a:latin typeface="HelveticaNeue-Condensed"/>
               </a:rPr>
               <a:t>Meeting the agreed-upon financial measures documented in the business case. These financial measures may include but are not limited to:</a:t>
             </a:r>
           </a:p>
           <a:p>
-            <a:endParaRPr lang="en-US" sz="2800" b="0" i="0" u="none" strike="noStrike" baseline="0" dirty="0" smtClean="0">
+            <a:endParaRPr lang="en-US" sz="2800" b="0" i="0" u="none" strike="noStrike" baseline="0" dirty="0">
               <a:latin typeface="HelveticaNeue-Condensed"/>
             </a:endParaRPr>
           </a:p>
@@ -3548,7 +3535,7 @@
               <a:buChar char="q"/>
             </a:pPr>
             <a:r>
-              <a:rPr lang="en-US" sz="2800" b="0" i="0" u="none" strike="noStrike" baseline="0" dirty="0" smtClean="0">
+              <a:rPr lang="en-US" sz="2800" b="0" i="0" u="none" strike="noStrike" baseline="0" dirty="0">
                 <a:latin typeface="HelveticaNeue-Condensed"/>
               </a:rPr>
               <a:t>Net present value (NPV),</a:t>
@@ -3560,7 +3547,7 @@
               <a:buChar char="q"/>
             </a:pPr>
             <a:r>
-              <a:rPr lang="en-US" sz="2800" b="0" i="0" u="none" strike="noStrike" baseline="0" dirty="0" smtClean="0">
+              <a:rPr lang="en-US" sz="2800" b="0" i="0" u="none" strike="noStrike" baseline="0" dirty="0">
                 <a:latin typeface="HelveticaNeue-Condensed"/>
               </a:rPr>
               <a:t>Return on investment (ROI),</a:t>
@@ -3572,7 +3559,7 @@
               <a:buChar char="q"/>
             </a:pPr>
             <a:r>
-              <a:rPr lang="en-US" sz="2800" b="0" i="0" u="none" strike="noStrike" baseline="0" dirty="0" smtClean="0">
+              <a:rPr lang="en-US" sz="2800" b="0" i="0" u="none" strike="noStrike" baseline="0" dirty="0">
                 <a:latin typeface="HelveticaNeue-Condensed"/>
               </a:rPr>
               <a:t>Internal rate of return (IRR),</a:t>
@@ -3584,7 +3571,7 @@
               <a:buChar char="q"/>
             </a:pPr>
             <a:r>
-              <a:rPr lang="en-US" sz="2800" b="0" i="0" u="none" strike="noStrike" baseline="0" dirty="0" smtClean="0">
+              <a:rPr lang="en-US" sz="2800" b="0" i="0" u="none" strike="noStrike" baseline="0" dirty="0">
                 <a:latin typeface="HelveticaNeue-Condensed"/>
               </a:rPr>
               <a:t>Payback period (PBP), and</a:t>
@@ -3596,7 +3583,7 @@
               <a:buChar char="q"/>
             </a:pPr>
             <a:r>
-              <a:rPr lang="en-US" sz="2800" b="0" i="0" u="none" strike="noStrike" baseline="0" dirty="0" smtClean="0">
+              <a:rPr lang="en-US" sz="2800" b="0" i="0" u="none" strike="noStrike" baseline="0" dirty="0">
                 <a:latin typeface="HelveticaNeue-Condensed"/>
               </a:rPr>
               <a:t>Benefit-cost ratio (BCR).</a:t>
@@ -3661,7 +3648,7 @@
               <a:buChar char="q"/>
             </a:pPr>
             <a:r>
-              <a:rPr lang="en-US" sz="2400" b="0" i="0" u="none" strike="noStrike" baseline="0" dirty="0" smtClean="0">
+              <a:rPr lang="en-US" sz="2400" b="0" i="0" u="none" strike="noStrike" baseline="0" dirty="0">
                 <a:latin typeface="HelveticaNeue-Condensed"/>
               </a:rPr>
               <a:t>Meeting business case nonfinancial objectives;</a:t>
@@ -3673,13 +3660,13 @@
               <a:buChar char="q"/>
             </a:pPr>
             <a:r>
-              <a:rPr lang="en-US" b="0" i="0" u="none" strike="noStrike" baseline="0" dirty="0" smtClean="0">
+              <a:rPr lang="en-US" b="0" i="0" u="none" strike="noStrike" baseline="0" dirty="0">
                 <a:latin typeface="Wingdings-Regular"/>
               </a:rPr>
               <a:t> </a:t>
             </a:r>
             <a:r>
-              <a:rPr lang="en-US" sz="2400" b="0" i="0" u="none" strike="noStrike" baseline="0" dirty="0" smtClean="0">
+              <a:rPr lang="en-US" sz="2400" b="0" i="0" u="none" strike="noStrike" baseline="0" dirty="0">
                 <a:latin typeface="HelveticaNeue-Condensed"/>
               </a:rPr>
               <a:t>Completing movement of an organization from its current state to the desired future state;</a:t>
@@ -3691,7 +3678,7 @@
               <a:buChar char="q"/>
             </a:pPr>
             <a:r>
-              <a:rPr lang="en-US" sz="2400" b="0" i="0" u="none" strike="noStrike" baseline="0" dirty="0" smtClean="0">
+              <a:rPr lang="en-US" sz="2400" b="0" i="0" u="none" strike="noStrike" baseline="0" dirty="0">
                 <a:latin typeface="HelveticaNeue-Condensed"/>
               </a:rPr>
               <a:t>Fulfilling contract terms and conditions;</a:t>
@@ -3703,13 +3690,13 @@
               <a:buChar char="q"/>
             </a:pPr>
             <a:r>
-              <a:rPr lang="en-US" b="0" i="0" u="none" strike="noStrike" baseline="0" dirty="0" smtClean="0">
+              <a:rPr lang="en-US" b="0" i="0" u="none" strike="noStrike" baseline="0" dirty="0">
                 <a:latin typeface="Wingdings-Regular"/>
               </a:rPr>
               <a:t> </a:t>
             </a:r>
             <a:r>
-              <a:rPr lang="en-US" sz="2400" b="0" i="0" u="none" strike="noStrike" baseline="0" dirty="0" smtClean="0">
+              <a:rPr lang="en-US" sz="2400" b="0" i="0" u="none" strike="noStrike" baseline="0" dirty="0">
                 <a:latin typeface="HelveticaNeue-Condensed"/>
               </a:rPr>
               <a:t>Meeting organizational strategy, goals, and objectives;</a:t>
@@ -3721,7 +3708,7 @@
               <a:buChar char="q"/>
             </a:pPr>
             <a:r>
-              <a:rPr lang="en-US" sz="2400" b="0" i="0" u="none" strike="noStrike" baseline="0" dirty="0" smtClean="0">
+              <a:rPr lang="en-US" sz="2400" b="0" i="0" u="none" strike="noStrike" baseline="0" dirty="0">
                 <a:latin typeface="HelveticaNeue-Condensed"/>
               </a:rPr>
               <a:t>Achieving stakeholder satisfaction;</a:t>
@@ -3733,7 +3720,7 @@
               <a:buChar char="q"/>
             </a:pPr>
             <a:r>
-              <a:rPr lang="en-US" sz="2400" b="0" i="0" u="none" strike="noStrike" baseline="0" dirty="0" smtClean="0">
+              <a:rPr lang="en-US" sz="2400" b="0" i="0" u="none" strike="noStrike" baseline="0" dirty="0">
                 <a:latin typeface="HelveticaNeue-Condensed"/>
               </a:rPr>
               <a:t>Acceptable customer/end-user adoption;</a:t>
@@ -3745,7 +3732,7 @@
               <a:buChar char="q"/>
             </a:pPr>
             <a:r>
-              <a:rPr lang="en-US" sz="2400" b="0" i="0" u="none" strike="noStrike" baseline="0" dirty="0" smtClean="0">
+              <a:rPr lang="en-US" sz="2400" b="0" i="0" u="none" strike="noStrike" baseline="0" dirty="0">
                 <a:latin typeface="HelveticaNeue-Condensed"/>
               </a:rPr>
               <a:t>Integration of deliverables into the organization’s operating environment;</a:t>
@@ -3757,7 +3744,7 @@
               <a:buChar char="q"/>
             </a:pPr>
             <a:r>
-              <a:rPr lang="en-US" sz="2400" b="0" i="0" u="none" strike="noStrike" baseline="0" dirty="0" smtClean="0">
+              <a:rPr lang="en-US" sz="2400" b="0" i="0" u="none" strike="noStrike" baseline="0" dirty="0">
                 <a:latin typeface="HelveticaNeue-Condensed"/>
               </a:rPr>
               <a:t>Achieving agreed-upon quality of delivery;</a:t>
@@ -3769,7 +3756,7 @@
               <a:buChar char="q"/>
             </a:pPr>
             <a:r>
-              <a:rPr lang="en-US" sz="2400" b="0" i="0" u="none" strike="noStrike" baseline="0" dirty="0" smtClean="0">
+              <a:rPr lang="en-US" sz="2400" b="0" i="0" u="none" strike="noStrike" baseline="0" dirty="0">
                 <a:latin typeface="HelveticaNeue-Condensed"/>
               </a:rPr>
               <a:t>Meeting governance criteria; and</a:t>
@@ -3781,7 +3768,7 @@
               <a:buChar char="q"/>
             </a:pPr>
             <a:r>
-              <a:rPr lang="en-US" sz="2400" b="0" i="0" u="none" strike="noStrike" baseline="0" dirty="0" smtClean="0">
+              <a:rPr lang="en-US" sz="2400" b="0" i="0" u="none" strike="noStrike" baseline="0" dirty="0">
                 <a:latin typeface="HelveticaNeue-Condensed"/>
               </a:rPr>
               <a:t>Achieving other agreed-upon success measures or criteria (e.g., process throughput).</a:t>
@@ -3842,7 +3829,7 @@
           <a:lstStyle/>
           <a:p>
             <a:r>
-              <a:rPr lang="en-US" sz="2400" b="1" i="0" u="none" strike="noStrike" baseline="0" dirty="0" smtClean="0">
+              <a:rPr lang="en-US" sz="2400" b="1" i="0" u="none" strike="noStrike" baseline="0" dirty="0">
                 <a:solidFill>
                   <a:srgbClr val="FF0000"/>
                 </a:solidFill>
@@ -3851,13 +3838,13 @@
               <a:t>THE </a:t>
             </a:r>
             <a:r>
-              <a:rPr lang="en-US" sz="2400" b="1" i="0" u="none" strike="noStrike" baseline="0" dirty="0" smtClean="0">
+              <a:rPr lang="en-US" sz="2400" b="1" i="0" u="none" strike="noStrike" baseline="0" dirty="0">
                 <a:latin typeface="HelveticaNeue-BoldCond"/>
               </a:rPr>
               <a:t>ENVIRONMENT</a:t>
             </a:r>
             <a:r>
-              <a:rPr lang="en-US" sz="2400" b="1" i="0" u="none" strike="noStrike" baseline="0" dirty="0" smtClean="0">
+              <a:rPr lang="en-US" sz="2400" b="1" i="0" u="none" strike="noStrike" baseline="0" dirty="0">
                 <a:solidFill>
                   <a:srgbClr val="FF0000"/>
                 </a:solidFill>
@@ -3925,44 +3912,44 @@
           <a:lstStyle/>
           <a:p>
             <a:r>
-              <a:rPr lang="en-US" sz="2400" b="0" i="0" u="none" strike="noStrike" baseline="0" dirty="0" smtClean="0">
+              <a:rPr lang="en-US" sz="2400" b="0" i="0" u="none" strike="noStrike" baseline="0" dirty="0">
                 <a:latin typeface="HelveticaNeue-Condensed"/>
               </a:rPr>
               <a:t>Projects exist and operate in environments that may have an influence on them. These influences can have </a:t>
             </a:r>
             <a:r>
-              <a:rPr lang="en-US" sz="2400" b="1" i="0" u="none" strike="noStrike" baseline="0" dirty="0" smtClean="0">
+              <a:rPr lang="en-US" sz="2400" b="1" i="0" u="none" strike="noStrike" baseline="0" dirty="0">
                 <a:latin typeface="HelveticaNeue-Condensed"/>
               </a:rPr>
               <a:t>a favorable or unfavorable impact </a:t>
             </a:r>
             <a:r>
-              <a:rPr lang="en-US" sz="2400" b="0" i="0" u="none" strike="noStrike" baseline="0" dirty="0" smtClean="0">
+              <a:rPr lang="en-US" sz="2400" b="0" i="0" u="none" strike="noStrike" baseline="0" dirty="0">
                 <a:latin typeface="HelveticaNeue-Condensed"/>
               </a:rPr>
               <a:t>on the project. Two major categories of influences are enterprise environmental factors (EEFs) and organizational process assets (OPAs).</a:t>
             </a:r>
           </a:p>
           <a:p>
-            <a:endParaRPr lang="en-US" sz="2400" b="0" i="0" u="none" strike="noStrike" baseline="0" dirty="0" smtClean="0">
+            <a:endParaRPr lang="en-US" sz="2400" b="0" i="0" u="none" strike="noStrike" baseline="0" dirty="0">
               <a:latin typeface="HelveticaNeue-Condensed"/>
             </a:endParaRPr>
           </a:p>
           <a:p>
             <a:r>
-              <a:rPr lang="en-US" sz="2400" b="0" i="0" u="none" strike="noStrike" baseline="0" dirty="0" smtClean="0">
+              <a:rPr lang="en-US" sz="2400" b="0" i="0" u="none" strike="noStrike" baseline="0" dirty="0">
                 <a:latin typeface="HelveticaNeue-Condensed"/>
               </a:rPr>
               <a:t>EEFs originate from the environment outside of the project and often outside of the enterprise. </a:t>
             </a:r>
             <a:r>
-              <a:rPr lang="en-US" sz="2400" b="1" i="0" u="none" strike="noStrike" baseline="0" dirty="0" smtClean="0">
+              <a:rPr lang="en-US" sz="2400" b="1" i="0" u="none" strike="noStrike" baseline="0" dirty="0">
                 <a:latin typeface="HelveticaNeue-Condensed"/>
               </a:rPr>
               <a:t>EEFs</a:t>
             </a:r>
             <a:r>
-              <a:rPr lang="en-US" sz="2400" b="0" i="0" u="none" strike="noStrike" baseline="0" dirty="0" smtClean="0">
+              <a:rPr lang="en-US" sz="2400" b="0" i="0" u="none" strike="noStrike" baseline="0" dirty="0">
                 <a:latin typeface="HelveticaNeue-Condensed"/>
               </a:rPr>
               <a:t> may have an</a:t>
@@ -3970,7 +3957,7 @@
           </a:p>
           <a:p>
             <a:r>
-              <a:rPr lang="en-US" sz="2400" b="0" i="0" u="none" strike="noStrike" baseline="0" dirty="0" smtClean="0">
+              <a:rPr lang="en-US" sz="2400" b="0" i="0" u="none" strike="noStrike" baseline="0" dirty="0">
                 <a:latin typeface="HelveticaNeue-Condensed"/>
               </a:rPr>
               <a:t>impact at the organizational, portfolio, program, or project level. </a:t>
@@ -3983,13 +3970,13 @@
           </a:p>
           <a:p>
             <a:r>
-              <a:rPr lang="en-US" sz="2400" b="1" i="0" u="none" strike="noStrike" baseline="0" dirty="0" smtClean="0">
+              <a:rPr lang="en-US" sz="2400" b="1" i="0" u="none" strike="noStrike" baseline="0" dirty="0">
                 <a:latin typeface="HelveticaNeue-Condensed"/>
               </a:rPr>
               <a:t>OPAs</a:t>
             </a:r>
             <a:r>
-              <a:rPr lang="en-US" sz="2400" b="0" i="0" u="none" strike="noStrike" baseline="0" dirty="0" smtClean="0">
+              <a:rPr lang="en-US" sz="2400" b="0" i="0" u="none" strike="noStrike" baseline="0" dirty="0">
                 <a:latin typeface="HelveticaNeue-Condensed"/>
               </a:rPr>
               <a:t> are internal to the organization. These may arise from the organization itself, a portfolio, a program, another</a:t>
@@ -3997,7 +3984,7 @@
           </a:p>
           <a:p>
             <a:r>
-              <a:rPr lang="en-US" sz="2400" b="0" i="0" u="none" strike="noStrike" baseline="0" dirty="0" smtClean="0">
+              <a:rPr lang="en-US" sz="2400" b="0" i="0" u="none" strike="noStrike" baseline="0" dirty="0">
                 <a:latin typeface="HelveticaNeue-Condensed"/>
               </a:rPr>
               <a:t>project, or a combination of these. </a:t>
@@ -4112,27 +4099,27 @@
           <a:lstStyle/>
           <a:p>
             <a:r>
-              <a:rPr lang="en-US" sz="2000" b="1" i="0" u="sng" strike="noStrike" baseline="0" dirty="0" smtClean="0">
+              <a:rPr lang="en-US" sz="2000" b="1" i="0" u="sng" strike="noStrike" baseline="0" dirty="0">
                 <a:latin typeface="HelveticaNeue-MediumCond"/>
               </a:rPr>
               <a:t>EEFS INTERNAL TO THE ORGANIZATION</a:t>
             </a:r>
           </a:p>
           <a:p>
-            <a:endParaRPr lang="en-US" sz="2000" b="0" i="0" u="none" strike="noStrike" baseline="0" dirty="0" smtClean="0">
+            <a:endParaRPr lang="en-US" sz="2000" b="0" i="0" u="none" strike="noStrike" baseline="0" dirty="0">
               <a:latin typeface="HelveticaNeue-MediumCond"/>
             </a:endParaRPr>
           </a:p>
           <a:p>
             <a:r>
-              <a:rPr lang="en-US" b="0" i="0" u="none" strike="noStrike" baseline="0" dirty="0" smtClean="0">
+              <a:rPr lang="en-US" b="0" i="0" u="none" strike="noStrike" baseline="0" dirty="0">
                 <a:latin typeface="HelveticaNeue-Condensed"/>
               </a:rPr>
               <a:t>The following EEFs are internal to the organization:</a:t>
             </a:r>
           </a:p>
           <a:p>
-            <a:endParaRPr lang="en-US" b="0" i="0" u="none" strike="noStrike" baseline="0" dirty="0" smtClean="0">
+            <a:endParaRPr lang="en-US" b="0" i="0" u="none" strike="noStrike" baseline="0" dirty="0">
               <a:latin typeface="HelveticaNeue-Condensed"/>
             </a:endParaRPr>
           </a:p>
@@ -4142,13 +4129,13 @@
               <a:buChar char="q"/>
             </a:pPr>
             <a:r>
-              <a:rPr lang="en-US" b="1" i="0" u="none" strike="noStrike" baseline="0" dirty="0" smtClean="0">
+              <a:rPr lang="en-US" b="1" i="0" u="none" strike="noStrike" baseline="0" dirty="0">
                 <a:latin typeface="HelveticaNeue-BoldCond"/>
               </a:rPr>
               <a:t>Organizational culture, structure, and governance. </a:t>
             </a:r>
             <a:r>
-              <a:rPr lang="en-US" b="0" i="0" u="none" strike="noStrike" baseline="0" dirty="0" smtClean="0">
+              <a:rPr lang="en-US" b="0" i="0" u="none" strike="noStrike" baseline="0" dirty="0">
                 <a:latin typeface="HelveticaNeue-Condensed"/>
               </a:rPr>
               <a:t>Examples include vision, mission, values, beliefs, cultural norms, leadership style, hierarchy and authority relationships, organizational style, ethics, and code of conduct.</a:t>
@@ -4159,7 +4146,7 @@
               <a:buFont typeface="Wingdings" panose="05000000000000000000" pitchFamily="2" charset="2"/>
               <a:buChar char="q"/>
             </a:pPr>
-            <a:endParaRPr lang="en-US" b="0" i="0" u="none" strike="noStrike" baseline="0" dirty="0" smtClean="0">
+            <a:endParaRPr lang="en-US" b="0" i="0" u="none" strike="noStrike" baseline="0" dirty="0">
               <a:latin typeface="HelveticaNeue-Condensed"/>
             </a:endParaRPr>
           </a:p>
@@ -4169,13 +4156,13 @@
               <a:buChar char="q"/>
             </a:pPr>
             <a:r>
-              <a:rPr lang="en-US" b="1" i="0" u="none" strike="noStrike" baseline="0" dirty="0" smtClean="0">
+              <a:rPr lang="en-US" b="1" i="0" u="none" strike="noStrike" baseline="0" dirty="0">
                 <a:latin typeface="HelveticaNeue-BoldCond"/>
               </a:rPr>
               <a:t>Geographic distribution of facilities and resources. </a:t>
             </a:r>
             <a:r>
-              <a:rPr lang="en-US" b="0" i="0" u="none" strike="noStrike" baseline="0" dirty="0" smtClean="0">
+              <a:rPr lang="en-US" b="0" i="0" u="none" strike="noStrike" baseline="0" dirty="0">
                 <a:latin typeface="HelveticaNeue-Condensed"/>
               </a:rPr>
               <a:t>Examples include factory locations, virtual teams, shared systems, and cloud computing.</a:t>
@@ -4186,7 +4173,7 @@
               <a:buFont typeface="Wingdings" panose="05000000000000000000" pitchFamily="2" charset="2"/>
               <a:buChar char="q"/>
             </a:pPr>
-            <a:endParaRPr lang="en-US" b="0" i="0" u="none" strike="noStrike" baseline="0" dirty="0" smtClean="0">
+            <a:endParaRPr lang="en-US" b="0" i="0" u="none" strike="noStrike" baseline="0" dirty="0">
               <a:latin typeface="HelveticaNeue-Condensed"/>
             </a:endParaRPr>
           </a:p>
@@ -4196,13 +4183,13 @@
               <a:buChar char="q"/>
             </a:pPr>
             <a:r>
-              <a:rPr lang="en-US" b="1" i="0" u="none" strike="noStrike" baseline="0" dirty="0" smtClean="0">
+              <a:rPr lang="en-US" b="1" i="0" u="none" strike="noStrike" baseline="0" dirty="0">
                 <a:latin typeface="HelveticaNeue-BoldCond"/>
               </a:rPr>
               <a:t>Infrastructure. </a:t>
             </a:r>
             <a:r>
-              <a:rPr lang="en-US" b="0" i="0" u="none" strike="noStrike" baseline="0" dirty="0" smtClean="0">
+              <a:rPr lang="en-US" b="0" i="0" u="none" strike="noStrike" baseline="0" dirty="0">
                 <a:latin typeface="HelveticaNeue-Condensed"/>
               </a:rPr>
               <a:t>Examples include existing facilities, equipment, organizational telecommunications channels, information technology hardware, availability, and capacity.</a:t>
@@ -4213,7 +4200,7 @@
               <a:buFont typeface="Wingdings" panose="05000000000000000000" pitchFamily="2" charset="2"/>
               <a:buChar char="q"/>
             </a:pPr>
-            <a:endParaRPr lang="en-US" b="0" i="0" u="none" strike="noStrike" baseline="0" dirty="0" smtClean="0">
+            <a:endParaRPr lang="en-US" b="0" i="0" u="none" strike="noStrike" baseline="0" dirty="0">
               <a:latin typeface="HelveticaNeue-Condensed"/>
             </a:endParaRPr>
           </a:p>
@@ -4223,13 +4210,13 @@
               <a:buChar char="q"/>
             </a:pPr>
             <a:r>
-              <a:rPr lang="en-US" b="1" i="0" u="none" strike="noStrike" baseline="0" dirty="0" smtClean="0">
+              <a:rPr lang="en-US" b="1" i="0" u="none" strike="noStrike" baseline="0" dirty="0">
                 <a:latin typeface="HelveticaNeue-BoldCond"/>
               </a:rPr>
               <a:t>Information technology software. </a:t>
             </a:r>
             <a:r>
-              <a:rPr lang="en-US" b="0" i="0" u="none" strike="noStrike" baseline="0" dirty="0" smtClean="0">
+              <a:rPr lang="en-US" b="0" i="0" u="none" strike="noStrike" baseline="0" dirty="0">
                 <a:latin typeface="HelveticaNeue-Condensed"/>
               </a:rPr>
               <a:t>Examples include scheduling software tools, configuration management systems, web interfaces to other online automated systems, and work authorization systems.</a:t>
@@ -4240,7 +4227,7 @@
               <a:buFont typeface="Wingdings" panose="05000000000000000000" pitchFamily="2" charset="2"/>
               <a:buChar char="q"/>
             </a:pPr>
-            <a:endParaRPr lang="en-US" b="0" i="0" u="none" strike="noStrike" baseline="0" dirty="0" smtClean="0">
+            <a:endParaRPr lang="en-US" b="0" i="0" u="none" strike="noStrike" baseline="0" dirty="0">
               <a:latin typeface="HelveticaNeue-Condensed"/>
             </a:endParaRPr>
           </a:p>
@@ -4250,13 +4237,13 @@
               <a:buChar char="q"/>
             </a:pPr>
             <a:r>
-              <a:rPr lang="en-US" b="1" i="0" u="none" strike="noStrike" baseline="0" dirty="0" smtClean="0">
+              <a:rPr lang="en-US" b="1" i="0" u="none" strike="noStrike" baseline="0" dirty="0">
                 <a:latin typeface="HelveticaNeue-BoldCond"/>
               </a:rPr>
               <a:t>Resource availability. </a:t>
             </a:r>
             <a:r>
-              <a:rPr lang="en-US" b="0" i="0" u="none" strike="noStrike" baseline="0" dirty="0" smtClean="0">
+              <a:rPr lang="en-US" b="0" i="0" u="none" strike="noStrike" baseline="0" dirty="0">
                 <a:latin typeface="HelveticaNeue-Condensed"/>
               </a:rPr>
               <a:t>Examples include contracting and purchasing constraints, approved providers and subcontractors, and collaboration agreements.</a:t>
@@ -4267,7 +4254,7 @@
               <a:buFont typeface="Wingdings" panose="05000000000000000000" pitchFamily="2" charset="2"/>
               <a:buChar char="q"/>
             </a:pPr>
-            <a:endParaRPr lang="en-US" b="0" i="0" u="none" strike="noStrike" baseline="0" dirty="0" smtClean="0">
+            <a:endParaRPr lang="en-US" b="0" i="0" u="none" strike="noStrike" baseline="0" dirty="0">
               <a:latin typeface="HelveticaNeue-Condensed"/>
             </a:endParaRPr>
           </a:p>
@@ -4277,13 +4264,13 @@
               <a:buChar char="q"/>
             </a:pPr>
             <a:r>
-              <a:rPr lang="en-US" b="1" i="0" u="none" strike="noStrike" baseline="0" dirty="0" smtClean="0">
+              <a:rPr lang="en-US" b="1" i="0" u="none" strike="noStrike" baseline="0" dirty="0">
                 <a:latin typeface="HelveticaNeue-BoldCond"/>
               </a:rPr>
               <a:t>Employee capability. </a:t>
             </a:r>
             <a:r>
-              <a:rPr lang="en-US" b="0" i="0" u="none" strike="noStrike" baseline="0" dirty="0" smtClean="0">
+              <a:rPr lang="en-US" b="0" i="0" u="none" strike="noStrike" baseline="0" dirty="0">
                 <a:latin typeface="HelveticaNeue-Condensed"/>
               </a:rPr>
               <a:t>Examples include existing human resources expertise, skills, competencies, and specialized knowledge.</a:t>
@@ -4344,25 +4331,25 @@
           <a:lstStyle/>
           <a:p>
             <a:r>
-              <a:rPr lang="en-US" sz="2400" b="1" i="0" u="sng" strike="noStrike" baseline="0" dirty="0" smtClean="0">
+              <a:rPr lang="en-US" sz="2400" b="1" i="0" u="sng" strike="noStrike" baseline="0" dirty="0">
                 <a:latin typeface="HelveticaNeue-MediumCond"/>
               </a:rPr>
               <a:t>EEFS EXTERNAL TO THE ORGANIZATION</a:t>
             </a:r>
-            <a:endParaRPr lang="en-US" sz="2400" b="0" i="0" u="sng" strike="noStrike" baseline="0" dirty="0" smtClean="0">
+            <a:endParaRPr lang="en-US" sz="2400" b="0" i="0" u="sng" strike="noStrike" baseline="0" dirty="0">
               <a:latin typeface="HelveticaNeue-MediumCond"/>
             </a:endParaRPr>
           </a:p>
           <a:p>
             <a:pPr algn="just"/>
-            <a:endParaRPr lang="en-US" sz="2000" b="0" i="0" u="none" strike="noStrike" baseline="0" dirty="0" smtClean="0">
+            <a:endParaRPr lang="en-US" sz="2000" b="0" i="0" u="none" strike="noStrike" baseline="0" dirty="0">
               <a:latin typeface="HelveticaNeue-Condensed"/>
             </a:endParaRPr>
           </a:p>
           <a:p>
             <a:pPr algn="just"/>
             <a:r>
-              <a:rPr lang="en-US" sz="2000" b="0" i="0" u="none" strike="noStrike" baseline="0" dirty="0" smtClean="0">
+              <a:rPr lang="en-US" sz="2000" b="0" i="0" u="none" strike="noStrike" baseline="0" dirty="0">
                 <a:latin typeface="HelveticaNeue-Condensed"/>
               </a:rPr>
               <a:t>The following EEFs are external to the organization.</a:t>
@@ -4374,13 +4361,13 @@
               <a:buChar char="q"/>
             </a:pPr>
             <a:r>
-              <a:rPr lang="en-US" sz="2000" b="1" i="0" u="none" strike="noStrike" baseline="0" dirty="0" smtClean="0">
+              <a:rPr lang="en-US" sz="2000" b="1" i="0" u="none" strike="noStrike" baseline="0" dirty="0">
                 <a:latin typeface="HelveticaNeue-BoldCond"/>
               </a:rPr>
               <a:t>Marketplace conditions. </a:t>
             </a:r>
             <a:r>
-              <a:rPr lang="en-US" sz="2000" b="0" i="0" u="none" strike="noStrike" baseline="0" dirty="0" smtClean="0">
+              <a:rPr lang="en-US" sz="2000" b="0" i="0" u="none" strike="noStrike" baseline="0" dirty="0">
                 <a:latin typeface="HelveticaNeue-Condensed"/>
               </a:rPr>
               <a:t>Examples include competitors, market share brand recognition, and trademarks.</a:t>
@@ -4392,13 +4379,13 @@
               <a:buChar char="q"/>
             </a:pPr>
             <a:r>
-              <a:rPr lang="en-US" sz="2000" b="1" i="0" u="none" strike="noStrike" baseline="0" dirty="0" smtClean="0">
+              <a:rPr lang="en-US" sz="2000" b="1" i="0" u="none" strike="noStrike" baseline="0" dirty="0">
                 <a:latin typeface="HelveticaNeue-BoldCond"/>
               </a:rPr>
               <a:t>Social and cultural influences and issues. </a:t>
             </a:r>
             <a:r>
-              <a:rPr lang="en-US" sz="2000" b="0" i="0" u="none" strike="noStrike" baseline="0" dirty="0" smtClean="0">
+              <a:rPr lang="en-US" sz="2000" b="0" i="0" u="none" strike="noStrike" baseline="0" dirty="0">
                 <a:latin typeface="HelveticaNeue-Condensed"/>
               </a:rPr>
               <a:t>Examples include political climate, codes of conduct, ethics ,and perceptions.</a:t>
@@ -4410,19 +4397,19 @@
               <a:buChar char="q"/>
             </a:pPr>
             <a:r>
-              <a:rPr lang="en-US" sz="1600" b="0" i="0" u="none" strike="noStrike" baseline="0" dirty="0" smtClean="0">
+              <a:rPr lang="en-US" sz="1600" b="0" i="0" u="none" strike="noStrike" baseline="0" dirty="0">
                 <a:latin typeface="Wingdings-Regular"/>
               </a:rPr>
               <a:t> </a:t>
             </a:r>
             <a:r>
-              <a:rPr lang="en-US" sz="2000" b="1" i="0" u="none" strike="noStrike" baseline="0" dirty="0" smtClean="0">
+              <a:rPr lang="en-US" sz="2000" b="1" i="0" u="none" strike="noStrike" baseline="0" dirty="0">
                 <a:latin typeface="HelveticaNeue-BoldCond"/>
               </a:rPr>
               <a:t>Legal restrictions. </a:t>
             </a:r>
             <a:r>
-              <a:rPr lang="en-US" sz="2000" b="0" i="0" u="none" strike="noStrike" baseline="0" dirty="0" smtClean="0">
+              <a:rPr lang="en-US" sz="2000" b="0" i="0" u="none" strike="noStrike" baseline="0" dirty="0">
                 <a:latin typeface="HelveticaNeue-Condensed"/>
               </a:rPr>
               <a:t>Examples include country</a:t>
@@ -4437,7 +4424,7 @@
               <a:buChar char="q"/>
             </a:pPr>
             <a:r>
-              <a:rPr lang="en-US" sz="2000" b="0" i="0" u="none" strike="noStrike" baseline="0" dirty="0" smtClean="0">
+              <a:rPr lang="en-US" sz="2000" b="0" i="0" u="none" strike="noStrike" baseline="0" dirty="0">
                 <a:latin typeface="HelveticaNeue-Condensed"/>
               </a:rPr>
               <a:t> or local laws and regulations related to security, data protection, business conduct, employment, and procurement.</a:t>
@@ -4449,13 +4436,13 @@
               <a:buChar char="q"/>
             </a:pPr>
             <a:r>
-              <a:rPr lang="en-US" sz="2000" b="1" i="0" u="none" strike="noStrike" baseline="0" dirty="0" smtClean="0">
+              <a:rPr lang="en-US" sz="2000" b="1" i="0" u="none" strike="noStrike" baseline="0" dirty="0">
                 <a:latin typeface="HelveticaNeue-BoldCond"/>
               </a:rPr>
               <a:t>Commercial databases. </a:t>
             </a:r>
             <a:r>
-              <a:rPr lang="en-US" sz="2000" b="0" i="0" u="none" strike="noStrike" baseline="0" dirty="0" smtClean="0">
+              <a:rPr lang="en-US" sz="2000" b="0" i="0" u="none" strike="noStrike" baseline="0" dirty="0">
                 <a:latin typeface="HelveticaNeue-Condensed"/>
               </a:rPr>
               <a:t>Examples include benchmarking results, standardized cost estimating data, industry risk study information, and risk databases.</a:t>
@@ -4467,13 +4454,13 @@
               <a:buChar char="q"/>
             </a:pPr>
             <a:r>
-              <a:rPr lang="en-US" sz="2000" b="1" i="0" u="none" strike="noStrike" baseline="0" dirty="0" smtClean="0">
+              <a:rPr lang="en-US" sz="2000" b="1" i="0" u="none" strike="noStrike" baseline="0" dirty="0">
                 <a:latin typeface="HelveticaNeue-BoldCond"/>
               </a:rPr>
               <a:t>Academic research. </a:t>
             </a:r>
             <a:r>
-              <a:rPr lang="en-US" sz="2000" b="0" i="0" u="none" strike="noStrike" baseline="0" dirty="0" smtClean="0">
+              <a:rPr lang="en-US" sz="2000" b="0" i="0" u="none" strike="noStrike" baseline="0" dirty="0">
                 <a:latin typeface="HelveticaNeue-Condensed"/>
               </a:rPr>
               <a:t>Examples include industry studies, publications, and benchmarking results.</a:t>
@@ -4485,19 +4472,19 @@
               <a:buChar char="q"/>
             </a:pPr>
             <a:r>
-              <a:rPr lang="en-US" sz="2000" b="0" i="0" u="none" strike="noStrike" baseline="0" dirty="0" smtClean="0">
+              <a:rPr lang="en-US" sz="2000" b="0" i="0" u="none" strike="noStrike" baseline="0" dirty="0">
                 <a:latin typeface="HelveticaNeue-Condensed"/>
               </a:rPr>
               <a:t>G</a:t>
             </a:r>
             <a:r>
-              <a:rPr lang="en-US" sz="2000" b="1" i="0" u="none" strike="noStrike" baseline="0" dirty="0" smtClean="0">
+              <a:rPr lang="en-US" sz="2000" b="1" i="0" u="none" strike="noStrike" baseline="0" dirty="0">
                 <a:latin typeface="HelveticaNeue-BoldCond"/>
               </a:rPr>
               <a:t>overnment or industry standards. </a:t>
             </a:r>
             <a:r>
-              <a:rPr lang="en-US" sz="2000" b="0" i="0" u="none" strike="noStrike" baseline="0" dirty="0" smtClean="0">
+              <a:rPr lang="en-US" sz="2000" b="0" i="0" u="none" strike="noStrike" baseline="0" dirty="0">
                 <a:latin typeface="HelveticaNeue-Condensed"/>
               </a:rPr>
               <a:t>Examples include regulatory agency regulations and standards related to products, production, environment, quality, and workmanship.</a:t>
@@ -4509,13 +4496,13 @@
               <a:buChar char="q"/>
             </a:pPr>
             <a:r>
-              <a:rPr lang="en-US" sz="2000" b="1" i="0" u="none" strike="noStrike" baseline="0" dirty="0" smtClean="0">
+              <a:rPr lang="en-US" sz="2000" b="1" i="0" u="none" strike="noStrike" baseline="0" dirty="0">
                 <a:latin typeface="HelveticaNeue-BoldCond"/>
               </a:rPr>
               <a:t>Financial considerations. </a:t>
             </a:r>
             <a:r>
-              <a:rPr lang="en-US" sz="2000" b="0" i="0" u="none" strike="noStrike" baseline="0" dirty="0" smtClean="0">
+              <a:rPr lang="en-US" sz="2000" b="0" i="0" u="none" strike="noStrike" baseline="0" dirty="0">
                 <a:latin typeface="HelveticaNeue-Condensed"/>
               </a:rPr>
               <a:t>Examples include currency exchange rates, interest rates, inflation rates, tariffs, and geographic location.</a:t>
@@ -4527,13 +4514,13 @@
               <a:buChar char="q"/>
             </a:pPr>
             <a:r>
-              <a:rPr lang="en-US" sz="2000" b="1" i="0" u="none" strike="noStrike" baseline="0" dirty="0" smtClean="0">
+              <a:rPr lang="en-US" sz="2000" b="1" i="0" u="none" strike="noStrike" baseline="0" dirty="0">
                 <a:latin typeface="HelveticaNeue-BoldCond"/>
               </a:rPr>
               <a:t>Physical environmental elements. </a:t>
             </a:r>
             <a:r>
-              <a:rPr lang="en-US" sz="2000" b="0" i="0" u="none" strike="noStrike" baseline="0" dirty="0" smtClean="0">
+              <a:rPr lang="en-US" sz="2000" b="0" i="0" u="none" strike="noStrike" baseline="0" dirty="0">
                 <a:latin typeface="HelveticaNeue-Condensed"/>
               </a:rPr>
               <a:t>Examples include working conditions, weather, and constraints.</a:t>
@@ -4595,7 +4582,7 @@
           <a:p>
             <a:pPr algn="just"/>
             <a:r>
-              <a:rPr lang="en-US" sz="3200" b="1" i="0" u="sng" strike="noStrike" baseline="0" dirty="0" smtClean="0">
+              <a:rPr lang="en-US" sz="3200" b="1" i="0" u="sng" strike="noStrike" baseline="0" dirty="0">
                 <a:latin typeface="HelveticaNeue-BoldCond"/>
               </a:rPr>
               <a:t>ORGANIZATIONAL PROCESS ASSETS</a:t>
@@ -4603,7 +4590,7 @@
           </a:p>
           <a:p>
             <a:pPr algn="just"/>
-            <a:endParaRPr lang="en-US" sz="2400" b="0" i="0" u="none" strike="noStrike" baseline="0" dirty="0" smtClean="0">
+            <a:endParaRPr lang="en-US" sz="2400" b="0" i="0" u="none" strike="noStrike" baseline="0" dirty="0">
               <a:latin typeface="HelveticaNeue-Condensed"/>
             </a:endParaRPr>
           </a:p>
@@ -4613,19 +4600,19 @@
               <a:buChar char="q"/>
             </a:pPr>
             <a:r>
-              <a:rPr lang="en-US" sz="2400" b="0" i="0" u="none" strike="noStrike" baseline="0" dirty="0" smtClean="0">
+              <a:rPr lang="en-US" sz="2400" b="0" i="0" u="none" strike="noStrike" baseline="0" dirty="0">
                 <a:latin typeface="HelveticaNeue-Condensed"/>
               </a:rPr>
               <a:t>Organizational process assets (OPAs) are </a:t>
             </a:r>
             <a:r>
-              <a:rPr lang="en-US" sz="2400" b="1" i="0" u="none" strike="noStrike" baseline="0" dirty="0" smtClean="0">
+              <a:rPr lang="en-US" sz="2400" b="1" i="0" u="none" strike="noStrike" baseline="0" dirty="0">
                 <a:latin typeface="HelveticaNeue-Condensed"/>
               </a:rPr>
               <a:t>the plans, processes, policies, procedures, and knowledge </a:t>
             </a:r>
             <a:r>
-              <a:rPr lang="en-US" sz="2400" b="0" i="0" u="none" strike="noStrike" baseline="0" dirty="0" smtClean="0">
+              <a:rPr lang="en-US" sz="2400" b="0" i="0" u="none" strike="noStrike" baseline="0" dirty="0">
                 <a:latin typeface="HelveticaNeue-Condensed"/>
               </a:rPr>
               <a:t>bases specific to and used by the performing organization. These assets influence the management of the project.</a:t>
@@ -4636,7 +4623,7 @@
               <a:buFont typeface="Wingdings" panose="05000000000000000000" pitchFamily="2" charset="2"/>
               <a:buChar char="q"/>
             </a:pPr>
-            <a:endParaRPr lang="en-US" sz="2400" b="0" i="0" u="none" strike="noStrike" baseline="0" dirty="0" smtClean="0">
+            <a:endParaRPr lang="en-US" sz="2400" b="0" i="0" u="none" strike="noStrike" baseline="0" dirty="0">
               <a:latin typeface="HelveticaNeue-Condensed"/>
             </a:endParaRPr>
           </a:p>
@@ -4646,7 +4633,7 @@
               <a:buChar char="q"/>
             </a:pPr>
             <a:r>
-              <a:rPr lang="en-US" sz="2400" b="0" i="0" u="none" strike="noStrike" baseline="0" dirty="0" smtClean="0">
+              <a:rPr lang="en-US" sz="2400" b="0" i="0" u="none" strike="noStrike" baseline="0" dirty="0">
                 <a:latin typeface="HelveticaNeue-Condensed"/>
               </a:rPr>
               <a:t>OPAs include any practice, or knowledge from any or all of the performing organizations involved in the project that can be used to execute or govern the project. The OPAs also include the organization’s lessons learned from previous projects and historical information.</a:t>
@@ -4708,10 +4695,9 @@
           <a:lstStyle/>
           <a:p>
             <a:r>
-              <a:rPr lang="en-US" dirty="0" smtClean="0"/>
+              <a:rPr lang="en-US" dirty="0"/>
               <a:t>When making the project, need the knowledge of there areas is must.</a:t>
             </a:r>
-            <a:endParaRPr lang="en-US" dirty="0"/>
           </a:p>
         </p:txBody>
       </p:sp>
@@ -4768,7 +4754,7 @@
           <a:p>
             <a:pPr algn="just"/>
             <a:r>
-              <a:rPr lang="en-US" sz="2800" b="1" i="0" u="none" strike="noStrike" baseline="0" dirty="0" smtClean="0">
+              <a:rPr lang="en-US" sz="2800" b="1" i="0" u="none" strike="noStrike" baseline="0" dirty="0">
                 <a:latin typeface="HelveticaNeue-MediumCond"/>
               </a:rPr>
               <a:t>MANAGEMENT ELEMENTS</a:t>
@@ -4776,14 +4762,14 @@
           </a:p>
           <a:p>
             <a:pPr algn="just"/>
-            <a:endParaRPr lang="en-US" sz="2400" b="0" i="0" u="none" strike="noStrike" baseline="0" dirty="0" smtClean="0">
+            <a:endParaRPr lang="en-US" sz="2400" b="0" i="0" u="none" strike="noStrike" baseline="0" dirty="0">
               <a:latin typeface="HelveticaNeue-Condensed"/>
             </a:endParaRPr>
           </a:p>
           <a:p>
             <a:pPr algn="just"/>
             <a:r>
-              <a:rPr lang="en-US" sz="2400" b="0" i="0" u="none" strike="noStrike" baseline="0" dirty="0" smtClean="0">
+              <a:rPr lang="en-US" sz="2400" b="0" i="0" u="none" strike="noStrike" baseline="0" dirty="0">
                 <a:latin typeface="HelveticaNeue-Condensed"/>
               </a:rPr>
               <a:t>The key functions or principles of management include but are not limited to:</a:t>
@@ -4791,7 +4777,7 @@
           </a:p>
           <a:p>
             <a:pPr algn="just"/>
-            <a:endParaRPr lang="en-US" sz="2400" b="0" i="0" u="none" strike="noStrike" baseline="0" dirty="0" smtClean="0">
+            <a:endParaRPr lang="en-US" sz="2400" b="0" i="0" u="none" strike="noStrike" baseline="0" dirty="0">
               <a:latin typeface="HelveticaNeue-Condensed"/>
             </a:endParaRPr>
           </a:p>
@@ -4801,13 +4787,13 @@
               <a:buChar char="q"/>
             </a:pPr>
             <a:r>
-              <a:rPr lang="en-US" sz="2400" b="1" i="0" u="none" strike="noStrike" baseline="0" dirty="0" smtClean="0">
+              <a:rPr lang="en-US" sz="2400" b="1" i="0" u="none" strike="noStrike" baseline="0" dirty="0">
                 <a:latin typeface="HelveticaNeue-Condensed"/>
               </a:rPr>
               <a:t>Division of work </a:t>
             </a:r>
             <a:r>
-              <a:rPr lang="en-US" sz="2400" b="0" i="0" u="none" strike="noStrike" baseline="0" dirty="0" smtClean="0">
+              <a:rPr lang="en-US" sz="2400" b="0" i="0" u="none" strike="noStrike" baseline="0" dirty="0">
                 <a:latin typeface="HelveticaNeue-Condensed"/>
               </a:rPr>
               <a:t>using specialized skills and availability to perform work;</a:t>
@@ -4819,13 +4805,13 @@
               <a:buChar char="q"/>
             </a:pPr>
             <a:r>
-              <a:rPr lang="en-US" sz="2400" b="1" i="0" u="none" strike="noStrike" baseline="0" dirty="0" smtClean="0">
+              <a:rPr lang="en-US" sz="2400" b="1" i="0" u="none" strike="noStrike" baseline="0" dirty="0">
                 <a:latin typeface="HelveticaNeue-Condensed"/>
               </a:rPr>
               <a:t>Authority</a:t>
             </a:r>
             <a:r>
-              <a:rPr lang="en-US" sz="2400" b="0" i="0" u="none" strike="noStrike" baseline="0" dirty="0" smtClean="0">
+              <a:rPr lang="en-US" sz="2400" b="0" i="0" u="none" strike="noStrike" baseline="0" dirty="0">
                 <a:latin typeface="HelveticaNeue-Condensed"/>
               </a:rPr>
               <a:t> given to perform work;</a:t>
@@ -4837,13 +4823,13 @@
               <a:buChar char="q"/>
             </a:pPr>
             <a:r>
-              <a:rPr lang="en-US" sz="2400" b="1" i="0" u="none" strike="noStrike" baseline="0" dirty="0" smtClean="0">
+              <a:rPr lang="en-US" sz="2400" b="1" i="0" u="none" strike="noStrike" baseline="0" dirty="0">
                 <a:latin typeface="HelveticaNeue-Condensed"/>
               </a:rPr>
               <a:t>Responsibility</a:t>
             </a:r>
             <a:r>
-              <a:rPr lang="en-US" sz="2400" b="0" i="0" u="none" strike="noStrike" baseline="0" dirty="0" smtClean="0">
+              <a:rPr lang="en-US" sz="2400" b="0" i="0" u="none" strike="noStrike" baseline="0" dirty="0">
                 <a:latin typeface="HelveticaNeue-Condensed"/>
               </a:rPr>
               <a:t> to perform work appropriately assigned based on such attributes as skill and experience;</a:t>
@@ -4855,13 +4841,13 @@
               <a:buChar char="q"/>
             </a:pPr>
             <a:r>
-              <a:rPr lang="en-US" sz="2400" b="1" i="0" u="none" strike="noStrike" baseline="0" dirty="0" smtClean="0">
+              <a:rPr lang="en-US" sz="2400" b="1" i="0" u="none" strike="noStrike" baseline="0" dirty="0">
                 <a:latin typeface="HelveticaNeue-Condensed"/>
               </a:rPr>
               <a:t>Discipline of action </a:t>
             </a:r>
             <a:r>
-              <a:rPr lang="en-US" sz="2400" b="0" i="0" u="none" strike="noStrike" baseline="0" dirty="0" smtClean="0">
+              <a:rPr lang="en-US" sz="2400" b="0" i="0" u="none" strike="noStrike" baseline="0" dirty="0">
                 <a:latin typeface="HelveticaNeue-Condensed"/>
               </a:rPr>
               <a:t>(e.g., respect for authority, people, and rules);</a:t>
@@ -4873,7 +4859,7 @@
               <a:buChar char="q"/>
             </a:pPr>
             <a:r>
-              <a:rPr lang="en-US" sz="2400" b="0" i="0" u="none" strike="noStrike" baseline="0" dirty="0" smtClean="0">
+              <a:rPr lang="en-US" sz="2400" b="0" i="0" u="none" strike="noStrike" baseline="0" dirty="0">
                 <a:latin typeface="HelveticaNeue-Condensed"/>
               </a:rPr>
               <a:t>Unity of command (e.g., only one person gives orders for any action or activity to an individual);</a:t>
@@ -4885,13 +4871,13 @@
               <a:buChar char="q"/>
             </a:pPr>
             <a:r>
-              <a:rPr lang="en-US" sz="2400" b="1" i="0" u="none" strike="noStrike" baseline="0" dirty="0" smtClean="0">
+              <a:rPr lang="en-US" sz="2400" b="1" i="0" u="none" strike="noStrike" baseline="0" dirty="0">
                 <a:latin typeface="HelveticaNeue-Condensed"/>
               </a:rPr>
               <a:t>Unity of direction </a:t>
             </a:r>
             <a:r>
-              <a:rPr lang="en-US" sz="2400" b="0" i="0" u="none" strike="noStrike" baseline="0" dirty="0" smtClean="0">
+              <a:rPr lang="en-US" sz="2400" b="0" i="0" u="none" strike="noStrike" baseline="0" dirty="0">
                 <a:latin typeface="HelveticaNeue-Condensed"/>
               </a:rPr>
               <a:t>(e.g., one plan and one head for a group of activities with the same objective);</a:t>
@@ -4903,19 +4889,19 @@
               <a:buChar char="q"/>
             </a:pPr>
             <a:r>
-              <a:rPr lang="en-US" b="0" i="0" u="none" strike="noStrike" baseline="0" dirty="0" smtClean="0">
+              <a:rPr lang="en-US" b="0" i="0" u="none" strike="noStrike" baseline="0" dirty="0">
                 <a:latin typeface="Wingdings-Regular"/>
               </a:rPr>
               <a:t> </a:t>
             </a:r>
             <a:r>
-              <a:rPr lang="en-US" sz="2400" b="1" i="0" u="none" strike="noStrike" baseline="0" dirty="0" smtClean="0">
+              <a:rPr lang="en-US" sz="2400" b="1" i="0" u="none" strike="noStrike" baseline="0" dirty="0">
                 <a:latin typeface="HelveticaNeue-Condensed"/>
               </a:rPr>
               <a:t>General goals </a:t>
             </a:r>
             <a:r>
-              <a:rPr lang="en-US" sz="2400" b="0" i="0" u="none" strike="noStrike" baseline="0" dirty="0" smtClean="0">
+              <a:rPr lang="en-US" sz="2400" b="0" i="0" u="none" strike="noStrike" baseline="0" dirty="0">
                 <a:latin typeface="HelveticaNeue-Condensed"/>
               </a:rPr>
               <a:t>of the organization take precedence over individual goals;</a:t>
@@ -4927,13 +4913,13 @@
               <a:buChar char="q"/>
             </a:pPr>
             <a:r>
-              <a:rPr lang="en-US" sz="2400" b="1" i="0" u="none" strike="noStrike" baseline="0" dirty="0" smtClean="0">
+              <a:rPr lang="en-US" sz="2400" b="1" i="0" u="none" strike="noStrike" baseline="0" dirty="0">
                 <a:latin typeface="HelveticaNeue-Condensed"/>
               </a:rPr>
               <a:t>Paid </a:t>
             </a:r>
             <a:r>
-              <a:rPr lang="en-US" sz="2400" b="0" i="0" u="none" strike="noStrike" baseline="0" dirty="0" smtClean="0">
+              <a:rPr lang="en-US" sz="2400" b="0" i="0" u="none" strike="noStrike" baseline="0" dirty="0">
                 <a:latin typeface="HelveticaNeue-Condensed"/>
               </a:rPr>
               <a:t>fairly for work performed;</a:t>
@@ -4994,25 +4980,25 @@
           <a:lstStyle/>
           <a:p>
             <a:r>
-              <a:rPr lang="en-US" sz="3600" b="0" i="0" u="none" strike="noStrike" baseline="0" dirty="0" smtClean="0">
+              <a:rPr lang="en-US" sz="3600" b="0" i="0" u="none" strike="noStrike" baseline="0" dirty="0">
                 <a:latin typeface="HelveticaNeue-Condensed"/>
               </a:rPr>
               <a:t>Optimal use of resources</a:t>
             </a:r>
             <a:r>
-              <a:rPr lang="en-US" sz="2800" b="0" i="0" u="none" strike="noStrike" baseline="0" dirty="0" smtClean="0">
+              <a:rPr lang="en-US" sz="2800" b="0" i="0" u="none" strike="noStrike" baseline="0" dirty="0">
                 <a:latin typeface="HelveticaNeue-Condensed"/>
               </a:rPr>
               <a:t>;</a:t>
             </a:r>
           </a:p>
           <a:p>
-            <a:endParaRPr lang="en-US" sz="2800" b="0" i="0" u="none" strike="noStrike" baseline="0" dirty="0" smtClean="0">
+            <a:endParaRPr lang="en-US" sz="2800" b="0" i="0" u="none" strike="noStrike" baseline="0" dirty="0">
               <a:latin typeface="HelveticaNeue-Condensed"/>
             </a:endParaRPr>
           </a:p>
           <a:p>
-            <a:endParaRPr lang="en-US" sz="2800" b="0" i="0" u="none" strike="noStrike" baseline="0" dirty="0" smtClean="0">
+            <a:endParaRPr lang="en-US" sz="2800" b="0" i="0" u="none" strike="noStrike" baseline="0" dirty="0">
               <a:latin typeface="HelveticaNeue-Condensed"/>
             </a:endParaRPr>
           </a:p>
@@ -5022,7 +5008,7 @@
               <a:buChar char="q"/>
             </a:pPr>
             <a:r>
-              <a:rPr lang="en-US" sz="2800" b="0" i="0" u="none" strike="noStrike" baseline="0" dirty="0" smtClean="0">
+              <a:rPr lang="en-US" sz="2800" b="0" i="0" u="none" strike="noStrike" baseline="0" dirty="0">
                 <a:latin typeface="HelveticaNeue-Condensed"/>
               </a:rPr>
               <a:t>Right materials to the right person for the right job at the right time;</a:t>
@@ -5034,7 +5020,7 @@
               <a:buChar char="q"/>
             </a:pPr>
             <a:r>
-              <a:rPr lang="en-US" sz="2800" b="0" i="0" u="none" strike="noStrike" baseline="0" dirty="0" smtClean="0">
+              <a:rPr lang="en-US" sz="2800" b="0" i="0" u="none" strike="noStrike" baseline="0" dirty="0">
                 <a:latin typeface="HelveticaNeue-Condensed"/>
               </a:rPr>
               <a:t>Fair and equal treatment of people in the workplace;</a:t>
@@ -5046,7 +5032,7 @@
               <a:buChar char="q"/>
             </a:pPr>
             <a:r>
-              <a:rPr lang="en-US" sz="2800" b="0" i="0" u="none" strike="noStrike" baseline="0" dirty="0" smtClean="0">
+              <a:rPr lang="en-US" sz="2800" b="0" i="0" u="none" strike="noStrike" baseline="0" dirty="0">
                 <a:latin typeface="HelveticaNeue-Condensed"/>
               </a:rPr>
               <a:t>Clear security of work positions;</a:t>
@@ -5058,7 +5044,7 @@
               <a:buChar char="q"/>
             </a:pPr>
             <a:r>
-              <a:rPr lang="en-US" sz="2800" b="0" i="0" u="none" strike="noStrike" baseline="0" dirty="0" smtClean="0">
+              <a:rPr lang="en-US" sz="2800" b="0" i="0" u="none" strike="noStrike" baseline="0" dirty="0">
                 <a:latin typeface="HelveticaNeue-Condensed"/>
               </a:rPr>
               <a:t>Safety of people in the workplace;</a:t>
@@ -5070,7 +5056,7 @@
               <a:buChar char="q"/>
             </a:pPr>
             <a:r>
-              <a:rPr lang="en-US" sz="2800" b="0" i="0" u="none" strike="noStrike" baseline="0" dirty="0" smtClean="0">
+              <a:rPr lang="en-US" sz="2800" b="0" i="0" u="none" strike="noStrike" baseline="0" dirty="0">
                 <a:latin typeface="HelveticaNeue-Condensed"/>
               </a:rPr>
               <a:t>Open contribution to planning and execution by each person; and</a:t>
@@ -5082,7 +5068,7 @@
               <a:buChar char="q"/>
             </a:pPr>
             <a:r>
-              <a:rPr lang="en-US" sz="2800" b="0" i="0" u="none" strike="noStrike" baseline="0" dirty="0" smtClean="0">
+              <a:rPr lang="en-US" sz="2800" b="0" i="0" u="none" strike="noStrike" baseline="0" dirty="0">
                 <a:latin typeface="HelveticaNeue-Condensed"/>
               </a:rPr>
               <a:t>Optimal morale</a:t>
@@ -5143,7 +5129,7 @@
           <a:lstStyle/>
           <a:p>
             <a:r>
-              <a:rPr lang="en-US" sz="2400" b="1" i="0" u="none" strike="noStrike" baseline="0" dirty="0" smtClean="0">
+              <a:rPr lang="en-US" sz="2400" b="1" i="0" u="none" strike="noStrike" baseline="0" dirty="0">
                 <a:latin typeface="HelveticaNeue-Condensed"/>
               </a:rPr>
               <a:t>Factors to consider in selecting an organizational structure include </a:t>
@@ -5151,14 +5137,14 @@
           </a:p>
           <a:p>
             <a:r>
-              <a:rPr lang="en-US" sz="2400" b="1" i="0" u="none" strike="noStrike" baseline="0" dirty="0" smtClean="0">
+              <a:rPr lang="en-US" sz="2400" b="1" i="0" u="none" strike="noStrike" baseline="0" dirty="0">
                 <a:latin typeface="HelveticaNeue-Condensed"/>
               </a:rPr>
               <a:t>but are not limited to:</a:t>
             </a:r>
           </a:p>
           <a:p>
-            <a:endParaRPr lang="en-US" sz="2000" b="0" i="0" u="none" strike="noStrike" baseline="0" dirty="0" smtClean="0">
+            <a:endParaRPr lang="en-US" sz="2000" b="0" i="0" u="none" strike="noStrike" baseline="0" dirty="0">
               <a:latin typeface="HelveticaNeue-Condensed"/>
             </a:endParaRPr>
           </a:p>
@@ -5168,13 +5154,13 @@
               <a:buChar char="q"/>
             </a:pPr>
             <a:r>
-              <a:rPr lang="en-US" sz="1600" b="0" i="0" u="none" strike="noStrike" baseline="0" dirty="0" smtClean="0">
+              <a:rPr lang="en-US" sz="1600" b="0" i="0" u="none" strike="noStrike" baseline="0" dirty="0">
                 <a:latin typeface="Wingdings-Regular"/>
               </a:rPr>
               <a:t> </a:t>
             </a:r>
             <a:r>
-              <a:rPr lang="en-US" sz="2000" b="0" i="0" u="none" strike="noStrike" baseline="0" dirty="0" smtClean="0">
+              <a:rPr lang="en-US" sz="2000" b="0" i="0" u="none" strike="noStrike" baseline="0" dirty="0">
                 <a:latin typeface="HelveticaNeue-Condensed"/>
               </a:rPr>
               <a:t>Degree of alignment with organizational objectives,</a:t>
@@ -5186,7 +5172,7 @@
               <a:buChar char="q"/>
             </a:pPr>
             <a:r>
-              <a:rPr lang="en-US" sz="2000" b="0" i="0" u="none" strike="noStrike" baseline="0" dirty="0" smtClean="0">
+              <a:rPr lang="en-US" sz="2000" b="0" i="0" u="none" strike="noStrike" baseline="0" dirty="0">
                 <a:latin typeface="HelveticaNeue-Condensed"/>
               </a:rPr>
               <a:t>Specialization capabilities,</a:t>
@@ -5198,7 +5184,7 @@
               <a:buChar char="q"/>
             </a:pPr>
             <a:r>
-              <a:rPr lang="en-US" sz="2000" b="0" i="0" u="none" strike="noStrike" baseline="0" dirty="0" smtClean="0">
+              <a:rPr lang="en-US" sz="2000" b="0" i="0" u="none" strike="noStrike" baseline="0" dirty="0">
                 <a:latin typeface="HelveticaNeue-Condensed"/>
               </a:rPr>
               <a:t>Span of control, efficiency, and effectiveness,</a:t>
@@ -5210,7 +5196,7 @@
               <a:buChar char="q"/>
             </a:pPr>
             <a:r>
-              <a:rPr lang="en-US" sz="2000" b="0" i="0" u="none" strike="noStrike" baseline="0" dirty="0" smtClean="0">
+              <a:rPr lang="en-US" sz="2000" b="0" i="0" u="none" strike="noStrike" baseline="0" dirty="0">
                 <a:latin typeface="HelveticaNeue-Condensed"/>
               </a:rPr>
               <a:t>Clear path for escalation of decisions,</a:t>
@@ -5222,7 +5208,7 @@
               <a:buChar char="q"/>
             </a:pPr>
             <a:r>
-              <a:rPr lang="en-US" sz="2000" b="0" i="0" u="none" strike="noStrike" baseline="0" dirty="0" smtClean="0">
+              <a:rPr lang="en-US" sz="2000" b="0" i="0" u="none" strike="noStrike" baseline="0" dirty="0">
                 <a:latin typeface="HelveticaNeue-Condensed"/>
               </a:rPr>
               <a:t>Clear line and scope of authority,</a:t>
@@ -5234,13 +5220,13 @@
               <a:buChar char="q"/>
             </a:pPr>
             <a:r>
-              <a:rPr lang="en-US" sz="1600" b="0" i="0" u="none" strike="noStrike" baseline="0" dirty="0" smtClean="0">
+              <a:rPr lang="en-US" sz="1600" b="0" i="0" u="none" strike="noStrike" baseline="0" dirty="0">
                 <a:latin typeface="Wingdings-Regular"/>
               </a:rPr>
               <a:t> </a:t>
             </a:r>
             <a:r>
-              <a:rPr lang="en-US" sz="2000" b="0" i="0" u="none" strike="noStrike" baseline="0" dirty="0" smtClean="0">
+              <a:rPr lang="en-US" sz="2000" b="0" i="0" u="none" strike="noStrike" baseline="0" dirty="0">
                 <a:latin typeface="HelveticaNeue-Condensed"/>
               </a:rPr>
               <a:t>Delegation capabilities,</a:t>
@@ -5252,13 +5238,13 @@
               <a:buChar char="q"/>
             </a:pPr>
             <a:r>
-              <a:rPr lang="en-US" sz="1600" b="0" i="0" u="none" strike="noStrike" baseline="0" dirty="0" smtClean="0">
+              <a:rPr lang="en-US" sz="1600" b="0" i="0" u="none" strike="noStrike" baseline="0" dirty="0">
                 <a:latin typeface="Wingdings-Regular"/>
               </a:rPr>
               <a:t> </a:t>
             </a:r>
             <a:r>
-              <a:rPr lang="en-US" sz="2000" b="0" i="0" u="none" strike="noStrike" baseline="0" dirty="0" smtClean="0">
+              <a:rPr lang="en-US" sz="2000" b="0" i="0" u="none" strike="noStrike" baseline="0" dirty="0">
                 <a:latin typeface="HelveticaNeue-Condensed"/>
               </a:rPr>
               <a:t>Accountability assignment,</a:t>
@@ -5270,7 +5256,7 @@
               <a:buChar char="q"/>
             </a:pPr>
             <a:r>
-              <a:rPr lang="en-US" sz="2000" b="0" i="0" u="none" strike="noStrike" baseline="0" dirty="0" smtClean="0">
+              <a:rPr lang="en-US" sz="2000" b="0" i="0" u="none" strike="noStrike" baseline="0" dirty="0">
                 <a:latin typeface="HelveticaNeue-Condensed"/>
               </a:rPr>
               <a:t>Responsibility assignment,</a:t>
@@ -5282,13 +5268,13 @@
               <a:buChar char="q"/>
             </a:pPr>
             <a:r>
-              <a:rPr lang="en-US" sz="1600" b="0" i="0" u="none" strike="noStrike" baseline="0" dirty="0" smtClean="0">
+              <a:rPr lang="en-US" sz="1600" b="0" i="0" u="none" strike="noStrike" baseline="0" dirty="0">
                 <a:latin typeface="Wingdings-Regular"/>
               </a:rPr>
               <a:t> </a:t>
             </a:r>
             <a:r>
-              <a:rPr lang="en-US" sz="2000" b="0" i="0" u="none" strike="noStrike" baseline="0" dirty="0" smtClean="0">
+              <a:rPr lang="en-US" sz="2000" b="0" i="0" u="none" strike="noStrike" baseline="0" dirty="0">
                 <a:latin typeface="HelveticaNeue-Condensed"/>
               </a:rPr>
               <a:t>Adaptability of design,</a:t>
@@ -5300,7 +5286,7 @@
               <a:buChar char="q"/>
             </a:pPr>
             <a:r>
-              <a:rPr lang="en-US" sz="2000" b="0" i="0" u="none" strike="noStrike" baseline="0" dirty="0" smtClean="0">
+              <a:rPr lang="en-US" sz="2000" b="0" i="0" u="none" strike="noStrike" baseline="0" dirty="0">
                 <a:latin typeface="HelveticaNeue-Condensed"/>
               </a:rPr>
               <a:t>Simplicity of design,</a:t>
@@ -5312,7 +5298,7 @@
               <a:buChar char="q"/>
             </a:pPr>
             <a:r>
-              <a:rPr lang="en-US" sz="2000" b="0" i="0" u="none" strike="noStrike" baseline="0" dirty="0" smtClean="0">
+              <a:rPr lang="en-US" sz="2000" b="0" i="0" u="none" strike="noStrike" baseline="0" dirty="0">
                 <a:latin typeface="HelveticaNeue-Condensed"/>
               </a:rPr>
               <a:t>Efficiency of performance,</a:t>
@@ -5324,7 +5310,7 @@
               <a:buChar char="q"/>
             </a:pPr>
             <a:r>
-              <a:rPr lang="en-US" sz="2000" b="0" i="0" u="none" strike="noStrike" baseline="0" dirty="0" smtClean="0">
+              <a:rPr lang="en-US" sz="2000" b="0" i="0" u="none" strike="noStrike" baseline="0" dirty="0">
                 <a:latin typeface="HelveticaNeue-Condensed"/>
               </a:rPr>
               <a:t>Cost considerations,</a:t>
@@ -5336,31 +5322,31 @@
               <a:buChar char="q"/>
             </a:pPr>
             <a:r>
-              <a:rPr lang="en-US" sz="2000" b="0" i="0" u="none" strike="noStrike" baseline="0" dirty="0" smtClean="0">
+              <a:rPr lang="en-US" sz="2000" b="0" i="0" u="none" strike="noStrike" baseline="0" dirty="0">
                 <a:latin typeface="HelveticaNeue-Condensed"/>
               </a:rPr>
               <a:t>Physical locations (e.g., </a:t>
             </a:r>
             <a:r>
-              <a:rPr lang="en-US" sz="2000" b="0" i="0" u="none" strike="noStrike" baseline="0" dirty="0" err="1" smtClean="0">
+              <a:rPr lang="en-US" sz="2000" b="0" i="0" u="none" strike="noStrike" baseline="0" dirty="0" err="1">
                 <a:latin typeface="HelveticaNeue-Condensed"/>
               </a:rPr>
               <a:t>colocated</a:t>
             </a:r>
             <a:r>
-              <a:rPr lang="en-US" sz="2000" b="0" i="0" u="none" strike="noStrike" baseline="0" dirty="0" smtClean="0">
+              <a:rPr lang="en-US" sz="2000" b="0" i="0" u="none" strike="noStrike" baseline="0" dirty="0">
                 <a:latin typeface="HelveticaNeue-Condensed"/>
               </a:rPr>
               <a:t>, regional, and virtual), </a:t>
             </a:r>
             <a:r>
-              <a:rPr lang="en-US" sz="1600" b="0" i="0" u="none" strike="noStrike" baseline="0" dirty="0" smtClean="0">
+              <a:rPr lang="en-US" sz="1600" b="0" i="0" u="none" strike="noStrike" baseline="0" dirty="0">
                 <a:latin typeface="Wingdings-Regular"/>
               </a:rPr>
               <a:t>u </a:t>
             </a:r>
             <a:r>
-              <a:rPr lang="en-US" sz="2000" b="0" i="0" u="none" strike="noStrike" baseline="0" dirty="0" smtClean="0">
+              <a:rPr lang="en-US" sz="2000" b="0" i="0" u="none" strike="noStrike" baseline="0" dirty="0">
                 <a:latin typeface="HelveticaNeue-Condensed"/>
               </a:rPr>
               <a:t>Clear communication (e.g., policies, status of work, and organization’s vision).</a:t>
@@ -5424,13 +5410,7 @@
               <a:rPr lang="en-US" b="1" dirty="0">
                 <a:latin typeface="HelveticaNeue-BoldCond"/>
               </a:rPr>
-              <a:t>THE ROLE OF THE PROJECT </a:t>
-            </a:r>
-            <a:r>
-              <a:rPr lang="en-US" b="1" dirty="0" smtClean="0">
-                <a:latin typeface="HelveticaNeue-BoldCond"/>
-              </a:rPr>
-              <a:t>MANAGER</a:t>
+              <a:t>THE ROLE OF THE PROJECT MANAGER</a:t>
             </a:r>
             <a:endParaRPr lang="en-US" dirty="0"/>
           </a:p>
@@ -5595,7 +5575,7 @@
           <a:p>
             <a:pPr algn="just"/>
             <a:r>
-              <a:rPr lang="en-US" sz="2000" b="1" dirty="0" smtClean="0">
+              <a:rPr lang="en-US" sz="2000" b="1" dirty="0">
                 <a:latin typeface="HelveticaNeue-MediumCond"/>
               </a:rPr>
               <a:t>QUALITIES OF GOOD PROJECT  PROJECT MANAGER</a:t>
@@ -5628,25 +5608,7 @@
               <a:rPr lang="en-US" dirty="0">
                 <a:latin typeface="HelveticaNeue-Condensed"/>
               </a:rPr>
-              <a:t>to meet the project’s objectives and stakeholders’ expectations. </a:t>
-            </a:r>
-            <a:r>
-              <a:rPr lang="en-US" dirty="0" smtClean="0">
-                <a:latin typeface="HelveticaNeue-Condensed"/>
-              </a:rPr>
-              <a:t>The project </a:t>
-            </a:r>
-            <a:r>
-              <a:rPr lang="en-US" dirty="0">
-                <a:latin typeface="HelveticaNeue-Condensed"/>
-              </a:rPr>
-              <a:t>manager works to balance the competing constraints on the project with the resources available</a:t>
-            </a:r>
-            <a:r>
-              <a:rPr lang="en-US" dirty="0" smtClean="0">
-                <a:latin typeface="HelveticaNeue-Condensed"/>
-              </a:rPr>
-              <a:t>.</a:t>
+              <a:t>to meet the project’s objectives and stakeholders’ expectations. The project manager works to balance the competing constraints on the project with the resources available.</a:t>
             </a:r>
           </a:p>
           <a:p>
@@ -5679,85 +5641,31 @@
               <a:rPr lang="en-US" dirty="0">
                 <a:latin typeface="HelveticaNeue-Condensed"/>
               </a:rPr>
-              <a:t>roles between the project sponsor, team members, and </a:t>
-            </a:r>
-            <a:r>
-              <a:rPr lang="en-US" dirty="0" smtClean="0">
-                <a:latin typeface="HelveticaNeue-Condensed"/>
-              </a:rPr>
-              <a:t>other stakeholders</a:t>
+              <a:t>roles between the project sponsor, team members, and other stakeholders. This includes </a:t>
+            </a:r>
+            <a:r>
+              <a:rPr lang="en-US" b="1" dirty="0">
+                <a:latin typeface="HelveticaNeue-Condensed"/>
+              </a:rPr>
+              <a:t>providing direction and presenting</a:t>
             </a:r>
             <a:r>
               <a:rPr lang="en-US" dirty="0">
                 <a:latin typeface="HelveticaNeue-Condensed"/>
               </a:rPr>
-              <a:t>. This includes </a:t>
+              <a:t> the vision of success for the project. The project manager </a:t>
             </a:r>
             <a:r>
               <a:rPr lang="en-US" b="1" dirty="0">
                 <a:latin typeface="HelveticaNeue-Condensed"/>
               </a:rPr>
-              <a:t>providing direction and presenting</a:t>
+              <a:t>uses soft skills </a:t>
             </a:r>
             <a:r>
               <a:rPr lang="en-US" dirty="0">
                 <a:latin typeface="HelveticaNeue-Condensed"/>
               </a:rPr>
-              <a:t> the vision of success for the project. The project </a:t>
-            </a:r>
-            <a:r>
-              <a:rPr lang="en-US" dirty="0" smtClean="0">
-                <a:latin typeface="HelveticaNeue-Condensed"/>
-              </a:rPr>
-              <a:t>manager </a:t>
-            </a:r>
-            <a:r>
-              <a:rPr lang="en-US" b="1" dirty="0" smtClean="0">
-                <a:latin typeface="HelveticaNeue-Condensed"/>
-              </a:rPr>
-              <a:t>uses </a:t>
-            </a:r>
-            <a:r>
-              <a:rPr lang="en-US" b="1" dirty="0">
-                <a:latin typeface="HelveticaNeue-Condensed"/>
-              </a:rPr>
-              <a:t>soft skills </a:t>
-            </a:r>
-            <a:r>
-              <a:rPr lang="en-US" dirty="0">
-                <a:latin typeface="HelveticaNeue-Condensed"/>
-              </a:rPr>
-              <a:t>(e.g., interpersonal skills and the ability to manage people) to balance the conflicting and </a:t>
-            </a:r>
-            <a:r>
-              <a:rPr lang="en-US" dirty="0" smtClean="0">
-                <a:latin typeface="HelveticaNeue-Condensed"/>
-              </a:rPr>
-              <a:t>competing goals </a:t>
-            </a:r>
-            <a:r>
-              <a:rPr lang="en-US" dirty="0">
-                <a:latin typeface="HelveticaNeue-Condensed"/>
-              </a:rPr>
-              <a:t>of the project stakeholders in order to achieve consensus. In this context, consensus means that the </a:t>
-            </a:r>
-            <a:r>
-              <a:rPr lang="en-US" dirty="0" smtClean="0">
-                <a:latin typeface="HelveticaNeue-Condensed"/>
-              </a:rPr>
-              <a:t>relevant stakeholders </a:t>
-            </a:r>
-            <a:r>
-              <a:rPr lang="en-US" dirty="0">
-                <a:latin typeface="HelveticaNeue-Condensed"/>
-              </a:rPr>
-              <a:t>support the project decisions and actions even when there is not 100% agreement</a:t>
-            </a:r>
-            <a:r>
-              <a:rPr lang="en-US" dirty="0" smtClean="0">
-                <a:latin typeface="HelveticaNeue-Condensed"/>
-              </a:rPr>
-              <a:t>.</a:t>
+              <a:t>(e.g., interpersonal skills and the ability to manage people) to balance the conflicting and competing goals of the project stakeholders in order to achieve consensus. In this context, consensus means that the relevant stakeholders support the project decisions and actions even when there is not 100% agreement.</a:t>
             </a:r>
           </a:p>
           <a:p>
@@ -5778,31 +5686,7 @@
               <a:rPr lang="en-US" dirty="0">
                 <a:latin typeface="HelveticaNeue-Condensed"/>
               </a:rPr>
-              <a:t>Research shows that successful project managers consistently and effectively use certain essential skills. </a:t>
-            </a:r>
-            <a:r>
-              <a:rPr lang="en-US" dirty="0" smtClean="0">
-                <a:latin typeface="HelveticaNeue-Condensed"/>
-              </a:rPr>
-              <a:t>Research reveals </a:t>
-            </a:r>
-            <a:r>
-              <a:rPr lang="en-US" dirty="0">
-                <a:latin typeface="HelveticaNeue-Condensed"/>
-              </a:rPr>
-              <a:t>that the top 2% of project managers as designated by their bosses and team members distinguish </a:t>
-            </a:r>
-            <a:r>
-              <a:rPr lang="en-US" dirty="0" smtClean="0">
-                <a:latin typeface="HelveticaNeue-Condensed"/>
-              </a:rPr>
-              <a:t>themselves by </a:t>
-            </a:r>
-            <a:r>
-              <a:rPr lang="en-US" dirty="0">
-                <a:latin typeface="HelveticaNeue-Condensed"/>
-              </a:rPr>
-              <a:t>demonstrating superior relationship and communication skills while displaying a positive attitude</a:t>
+              <a:t>Research shows that successful project managers consistently and effectively use certain essential skills. Research reveals that the top 2% of project managers as designated by their bosses and team members distinguish themselves by demonstrating superior relationship and communication skills while displaying a positive attitude</a:t>
             </a:r>
             <a:endParaRPr lang="en-US" dirty="0"/>
           </a:p>
@@ -5895,35 +5779,14 @@
               <a:rPr lang="en-US" sz="2400" b="1" dirty="0">
                 <a:latin typeface="HelveticaNeue-BoldCond"/>
               </a:rPr>
-              <a:t>Technical </a:t>
-            </a:r>
-            <a:r>
-              <a:rPr lang="en-US" sz="2400" b="1" dirty="0" smtClean="0">
-                <a:latin typeface="HelveticaNeue-BoldCond"/>
-              </a:rPr>
-              <a:t>: </a:t>
+              <a:t>Technical : </a:t>
             </a:r>
             <a:r>
               <a:rPr lang="en-US" sz="2400" dirty="0">
                 <a:latin typeface="HelveticaNeue-Condensed"/>
               </a:rPr>
-              <a:t>The knowledge, skills, and behaviors related to specific domains of </a:t>
-            </a:r>
-            <a:r>
-              <a:rPr lang="en-US" sz="2400" dirty="0" smtClean="0">
-                <a:latin typeface="HelveticaNeue-Condensed"/>
-              </a:rPr>
-              <a:t>project, program</a:t>
-            </a:r>
-            <a:r>
-              <a:rPr lang="en-US" sz="2400" dirty="0">
-                <a:latin typeface="HelveticaNeue-Condensed"/>
-              </a:rPr>
-              <a:t>, and portfolio management. </a:t>
-            </a:r>
-            <a:endParaRPr lang="en-US" sz="2400" dirty="0" smtClean="0">
-              <a:latin typeface="HelveticaNeue-Condensed"/>
-            </a:endParaRPr>
+              <a:t>The knowledge, skills, and behaviors related to specific domains of project, program, and portfolio management. </a:t>
+            </a:r>
           </a:p>
           <a:p>
             <a:pPr algn="just"/>
@@ -5934,61 +5797,25 @@
           <a:p>
             <a:pPr algn="just"/>
             <a:r>
-              <a:rPr lang="en-US" sz="2400" dirty="0" smtClean="0">
-                <a:latin typeface="HelveticaNeue-Condensed"/>
-              </a:rPr>
-              <a:t>The </a:t>
-            </a:r>
-            <a:r>
               <a:rPr lang="en-US" sz="2400" dirty="0">
                 <a:latin typeface="HelveticaNeue-Condensed"/>
               </a:rPr>
-              <a:t>technical aspects of performing one’s role</a:t>
-            </a:r>
-            <a:r>
-              <a:rPr lang="en-US" sz="2400" dirty="0" smtClean="0">
-                <a:latin typeface="HelveticaNeue-Condensed"/>
-              </a:rPr>
-              <a:t>.</a:t>
-            </a:r>
-          </a:p>
-          <a:p>
-            <a:pPr algn="just"/>
-            <a:r>
-              <a:rPr lang="en-US" sz="2400" b="1" dirty="0" smtClean="0">
-                <a:latin typeface="HelveticaNeue-BoldCond"/>
-              </a:rPr>
-              <a:t>Leadership</a:t>
-            </a:r>
+              <a:t>The technical aspects of performing one’s role.</a:t>
+            </a:r>
+          </a:p>
+          <a:p>
+            <a:pPr algn="just"/>
             <a:r>
               <a:rPr lang="en-US" sz="2400" b="1" dirty="0">
                 <a:latin typeface="HelveticaNeue-BoldCond"/>
               </a:rPr>
-              <a:t>. </a:t>
+              <a:t>Leadership. </a:t>
             </a:r>
             <a:r>
               <a:rPr lang="en-US" sz="2400" dirty="0">
                 <a:latin typeface="HelveticaNeue-Condensed"/>
               </a:rPr>
-              <a:t>The knowledge, skills, and behaviors needed to guide, motivate, and direct a team, to help </a:t>
-            </a:r>
-            <a:r>
-              <a:rPr lang="en-US" sz="2400" dirty="0" smtClean="0">
-                <a:latin typeface="HelveticaNeue-Condensed"/>
-              </a:rPr>
-              <a:t>an organization </a:t>
-            </a:r>
-            <a:r>
-              <a:rPr lang="en-US" sz="2400" dirty="0">
-                <a:latin typeface="HelveticaNeue-Condensed"/>
-              </a:rPr>
-              <a:t>achieve its business goals</a:t>
-            </a:r>
-            <a:r>
-              <a:rPr lang="en-US" sz="2400" dirty="0" smtClean="0">
-                <a:latin typeface="HelveticaNeue-Condensed"/>
-              </a:rPr>
-              <a:t>.</a:t>
+              <a:t>The knowledge, skills, and behaviors needed to guide, motivate, and direct a team, to help an organization achieve its business goals.</a:t>
             </a:r>
           </a:p>
           <a:p>
@@ -6000,34 +5827,16 @@
           <a:p>
             <a:pPr algn="just"/>
             <a:r>
-              <a:rPr lang="en-US" sz="2400" b="1" dirty="0" smtClean="0">
-                <a:latin typeface="HelveticaNeue-BoldCond"/>
-              </a:rPr>
-              <a:t>Strategic </a:t>
-            </a:r>
-            <a:r>
               <a:rPr lang="en-US" sz="2400" b="1" dirty="0">
                 <a:latin typeface="HelveticaNeue-BoldCond"/>
               </a:rPr>
-              <a:t>and business management. </a:t>
+              <a:t>Strategic and business management. </a:t>
             </a:r>
             <a:r>
               <a:rPr lang="en-US" sz="2400" dirty="0">
                 <a:latin typeface="HelveticaNeue-Condensed"/>
               </a:rPr>
-              <a:t>The knowledge of and expertise in the industry and organization </a:t>
-            </a:r>
-            <a:r>
-              <a:rPr lang="en-US" sz="2400" dirty="0" smtClean="0">
-                <a:latin typeface="HelveticaNeue-Condensed"/>
-              </a:rPr>
-              <a:t>that enhanced </a:t>
-            </a:r>
-            <a:r>
-              <a:rPr lang="en-US" sz="2400" dirty="0">
-                <a:latin typeface="HelveticaNeue-Condensed"/>
-              </a:rPr>
-              <a:t>performance and better delivers business outcomes.</a:t>
+              <a:t>The knowledge of and expertise in the industry and organization that enhanced performance and better delivers business outcomes.</a:t>
             </a:r>
             <a:endParaRPr lang="en-US" sz="2400" dirty="0"/>
           </a:p>
@@ -6143,185 +5952,116 @@
               <a:rPr lang="en-US" sz="2400" dirty="0">
                 <a:latin typeface="HelveticaNeue-Condensed"/>
               </a:rPr>
-              <a:t>T</a:t>
-            </a:r>
-            <a:r>
-              <a:rPr lang="en-US" sz="2400" dirty="0" smtClean="0">
-                <a:latin typeface="HelveticaNeue-Condensed"/>
-              </a:rPr>
-              <a:t>he </a:t>
-            </a:r>
-            <a:r>
-              <a:rPr lang="en-US" sz="2400" dirty="0">
-                <a:latin typeface="HelveticaNeue-Condensed"/>
-              </a:rPr>
-              <a:t>project manager should </a:t>
-            </a:r>
-            <a:r>
-              <a:rPr lang="en-US" sz="2400" dirty="0" smtClean="0">
-                <a:latin typeface="HelveticaNeue-Condensed"/>
-              </a:rPr>
-              <a:t>be knowledgeable </a:t>
-            </a:r>
-            <a:r>
-              <a:rPr lang="en-US" sz="2400" dirty="0">
-                <a:latin typeface="HelveticaNeue-Condensed"/>
-              </a:rPr>
-              <a:t>enough to explain to others the following aspects of the organization:</a:t>
-            </a:r>
-          </a:p>
-          <a:p>
-            <a:pPr algn="just"/>
-            <a:endParaRPr lang="en-US" sz="2400" dirty="0" smtClean="0">
-              <a:latin typeface="HelveticaNeue-Condensed"/>
-            </a:endParaRPr>
-          </a:p>
-          <a:p>
-            <a:pPr marL="285750" indent="-285750" algn="just">
-              <a:buFont typeface="Wingdings" panose="05000000000000000000" pitchFamily="2" charset="2"/>
-              <a:buChar char="q"/>
-            </a:pPr>
-            <a:r>
-              <a:rPr lang="en-US" sz="2400" dirty="0" smtClean="0">
-                <a:latin typeface="HelveticaNeue-Condensed"/>
-              </a:rPr>
-              <a:t>Strategy</a:t>
-            </a:r>
-            <a:r>
-              <a:rPr lang="en-US" sz="2400" dirty="0">
-                <a:latin typeface="HelveticaNeue-Condensed"/>
-              </a:rPr>
-              <a:t>;</a:t>
-            </a:r>
-          </a:p>
-          <a:p>
-            <a:pPr marL="285750" indent="-285750" algn="just">
-              <a:buFont typeface="Wingdings" panose="05000000000000000000" pitchFamily="2" charset="2"/>
-              <a:buChar char="q"/>
-            </a:pPr>
-            <a:r>
-              <a:rPr lang="en-US" sz="2400" dirty="0" smtClean="0">
-                <a:latin typeface="HelveticaNeue-Condensed"/>
-              </a:rPr>
-              <a:t>Mission;</a:t>
-            </a:r>
-            <a:r>
-              <a:rPr lang="en-US" dirty="0" smtClean="0">
-                <a:latin typeface="Wingdings-Regular"/>
-              </a:rPr>
-              <a:t> </a:t>
-            </a:r>
-          </a:p>
-          <a:p>
-            <a:pPr marL="285750" indent="-285750" algn="just">
-              <a:buFont typeface="Wingdings" panose="05000000000000000000" pitchFamily="2" charset="2"/>
-              <a:buChar char="q"/>
-            </a:pPr>
-            <a:r>
-              <a:rPr lang="en-US" sz="2400" dirty="0" smtClean="0">
-                <a:latin typeface="HelveticaNeue-Condensed"/>
-              </a:rPr>
-              <a:t>Goals </a:t>
-            </a:r>
-            <a:r>
-              <a:rPr lang="en-US" sz="2400" dirty="0">
-                <a:latin typeface="HelveticaNeue-Condensed"/>
-              </a:rPr>
-              <a:t>and objectives;</a:t>
-            </a:r>
-          </a:p>
-          <a:p>
-            <a:pPr marL="285750" indent="-285750" algn="just">
-              <a:buFont typeface="Wingdings" panose="05000000000000000000" pitchFamily="2" charset="2"/>
-              <a:buChar char="q"/>
-            </a:pPr>
-            <a:r>
-              <a:rPr lang="en-US" sz="2400" dirty="0" smtClean="0">
-                <a:latin typeface="HelveticaNeue-Condensed"/>
-              </a:rPr>
-              <a:t>Products </a:t>
-            </a:r>
-            <a:r>
-              <a:rPr lang="en-US" sz="2400" dirty="0">
-                <a:latin typeface="HelveticaNeue-Condensed"/>
-              </a:rPr>
-              <a:t>and services;</a:t>
-            </a:r>
-          </a:p>
-          <a:p>
-            <a:pPr marL="285750" indent="-285750" algn="just">
-              <a:buFont typeface="Wingdings" panose="05000000000000000000" pitchFamily="2" charset="2"/>
-              <a:buChar char="q"/>
-            </a:pPr>
-            <a:r>
-              <a:rPr lang="en-US" sz="2400" dirty="0" smtClean="0">
-                <a:latin typeface="HelveticaNeue-Condensed"/>
-              </a:rPr>
-              <a:t>Operations </a:t>
-            </a:r>
-            <a:r>
-              <a:rPr lang="en-US" sz="2400" dirty="0">
-                <a:latin typeface="HelveticaNeue-Condensed"/>
-              </a:rPr>
-              <a:t>(e.g., location, type, technology);</a:t>
-            </a:r>
-          </a:p>
-          <a:p>
-            <a:pPr marL="285750" indent="-285750" algn="just">
-              <a:buFont typeface="Wingdings" panose="05000000000000000000" pitchFamily="2" charset="2"/>
-              <a:buChar char="q"/>
-            </a:pPr>
-            <a:r>
-              <a:rPr lang="en-US" sz="2400" dirty="0" smtClean="0">
-                <a:latin typeface="HelveticaNeue-Condensed"/>
-              </a:rPr>
-              <a:t>The </a:t>
-            </a:r>
-            <a:r>
-              <a:rPr lang="en-US" sz="2400" dirty="0">
-                <a:latin typeface="HelveticaNeue-Condensed"/>
-              </a:rPr>
-              <a:t>market and the market condition, such as customers, state of the market (i.e., growing or shrinking), and</a:t>
-            </a:r>
-          </a:p>
-          <a:p>
-            <a:pPr marL="285750" indent="-285750" algn="just">
-              <a:buFont typeface="Wingdings" panose="05000000000000000000" pitchFamily="2" charset="2"/>
-              <a:buChar char="q"/>
-            </a:pPr>
-            <a:r>
-              <a:rPr lang="en-US" sz="2400" dirty="0">
-                <a:latin typeface="HelveticaNeue-Condensed"/>
-              </a:rPr>
-              <a:t>time-to-market factors, etc.; and</a:t>
-            </a:r>
-          </a:p>
-          <a:p>
-            <a:pPr marL="285750" indent="-285750" algn="just">
-              <a:buFont typeface="Wingdings" panose="05000000000000000000" pitchFamily="2" charset="2"/>
-              <a:buChar char="q"/>
-            </a:pPr>
-            <a:r>
-              <a:rPr lang="en-US" sz="2400" dirty="0" smtClean="0">
-                <a:latin typeface="HelveticaNeue-Condensed"/>
-              </a:rPr>
-              <a:t>Competition </a:t>
-            </a:r>
-            <a:r>
-              <a:rPr lang="en-US" sz="2400" dirty="0">
-                <a:latin typeface="HelveticaNeue-Condensed"/>
-              </a:rPr>
-              <a:t>(e.g., what, who, position in the market place</a:t>
-            </a:r>
-            <a:r>
-              <a:rPr lang="en-US" sz="2400" dirty="0" smtClean="0">
-                <a:latin typeface="HelveticaNeue-Condensed"/>
-              </a:rPr>
-              <a:t>).</a:t>
-            </a:r>
+              <a:t>The project manager should be knowledgeable enough to explain to others the following aspects of the organization:</a:t>
+            </a:r>
+          </a:p>
+          <a:p>
+            <a:pPr algn="just"/>
             <a:endParaRPr lang="en-US" sz="2400" dirty="0">
               <a:latin typeface="HelveticaNeue-Condensed"/>
             </a:endParaRPr>
+          </a:p>
+          <a:p>
+            <a:pPr marL="285750" indent="-285750" algn="just">
+              <a:buFont typeface="Wingdings" panose="05000000000000000000" pitchFamily="2" charset="2"/>
+              <a:buChar char="q"/>
+            </a:pPr>
+            <a:r>
+              <a:rPr lang="en-US" sz="2400" dirty="0">
+                <a:latin typeface="HelveticaNeue-Condensed"/>
+              </a:rPr>
+              <a:t>Strategy;</a:t>
+            </a:r>
+          </a:p>
+          <a:p>
+            <a:pPr marL="285750" indent="-285750" algn="just">
+              <a:buFont typeface="Wingdings" panose="05000000000000000000" pitchFamily="2" charset="2"/>
+              <a:buChar char="q"/>
+            </a:pPr>
+            <a:r>
+              <a:rPr lang="en-US" sz="2400" dirty="0">
+                <a:latin typeface="HelveticaNeue-Condensed"/>
+              </a:rPr>
+              <a:t>Mission;</a:t>
+            </a:r>
+            <a:r>
+              <a:rPr lang="en-US" dirty="0">
+                <a:latin typeface="Wingdings-Regular"/>
+              </a:rPr>
+              <a:t> </a:t>
+            </a:r>
+          </a:p>
+          <a:p>
+            <a:pPr marL="285750" indent="-285750" algn="just">
+              <a:buFont typeface="Wingdings" panose="05000000000000000000" pitchFamily="2" charset="2"/>
+              <a:buChar char="q"/>
+            </a:pPr>
+            <a:r>
+              <a:rPr lang="en-US" sz="2400" dirty="0">
+                <a:latin typeface="HelveticaNeue-Condensed"/>
+              </a:rPr>
+              <a:t>Goals and objectives;</a:t>
+            </a:r>
+          </a:p>
+          <a:p>
+            <a:pPr marL="285750" indent="-285750" algn="just">
+              <a:buFont typeface="Wingdings" panose="05000000000000000000" pitchFamily="2" charset="2"/>
+              <a:buChar char="q"/>
+            </a:pPr>
+            <a:r>
+              <a:rPr lang="en-US" sz="2400" dirty="0">
+                <a:latin typeface="HelveticaNeue-Condensed"/>
+              </a:rPr>
+              <a:t>Products and services;</a:t>
+            </a:r>
+          </a:p>
+          <a:p>
+            <a:pPr marL="285750" indent="-285750" algn="just">
+              <a:buFont typeface="Wingdings" panose="05000000000000000000" pitchFamily="2" charset="2"/>
+              <a:buChar char="q"/>
+            </a:pPr>
+            <a:r>
+              <a:rPr lang="en-US" sz="2400" dirty="0">
+                <a:latin typeface="HelveticaNeue-Condensed"/>
+              </a:rPr>
+              <a:t>Operations (e.g., location, type, technology);</a:t>
+            </a:r>
+          </a:p>
+          <a:p>
+            <a:pPr marL="285750" indent="-285750" algn="just">
+              <a:buFont typeface="Wingdings" panose="05000000000000000000" pitchFamily="2" charset="2"/>
+              <a:buChar char="q"/>
+            </a:pPr>
+            <a:r>
+              <a:rPr lang="en-US" sz="2400" dirty="0">
+                <a:latin typeface="HelveticaNeue-Condensed"/>
+              </a:rPr>
+              <a:t>The market and the market condition, such as customers, state of the market (i.e., growing or shrinking), and</a:t>
+            </a:r>
+          </a:p>
+          <a:p>
+            <a:pPr marL="285750" indent="-285750" algn="just">
+              <a:buFont typeface="Wingdings" panose="05000000000000000000" pitchFamily="2" charset="2"/>
+              <a:buChar char="q"/>
+            </a:pPr>
+            <a:r>
+              <a:rPr lang="en-US" sz="2400" dirty="0">
+                <a:latin typeface="HelveticaNeue-Condensed"/>
+              </a:rPr>
+              <a:t>time-to-market factors, etc.; and</a:t>
+            </a:r>
+          </a:p>
+          <a:p>
+            <a:pPr marL="285750" indent="-285750" algn="just">
+              <a:buFont typeface="Wingdings" panose="05000000000000000000" pitchFamily="2" charset="2"/>
+              <a:buChar char="q"/>
+            </a:pPr>
+            <a:r>
+              <a:rPr lang="en-US" sz="2400" dirty="0">
+                <a:latin typeface="HelveticaNeue-Condensed"/>
+              </a:rPr>
+              <a:t>Competition (e.g., what, who, position in the market place).</a:t>
+            </a:r>
           </a:p>
         </p:txBody>
       </p:sp>
@@ -6382,13 +6122,7 @@
               <a:rPr lang="en-US" sz="2800" dirty="0">
                 <a:latin typeface="HelveticaNeue-MediumCond"/>
               </a:rPr>
-              <a:t>LEADERSHIP </a:t>
-            </a:r>
-            <a:r>
-              <a:rPr lang="en-US" sz="2800" dirty="0" smtClean="0">
-                <a:latin typeface="HelveticaNeue-MediumCond"/>
-              </a:rPr>
-              <a:t>SKILLS IN PROJECT MANAGER</a:t>
+              <a:t>LEADERSHIP SKILLS IN PROJECT MANAGER</a:t>
             </a:r>
           </a:p>
           <a:p>
@@ -6412,52 +6146,28 @@
               <a:t>. These skills may include </a:t>
             </a:r>
             <a:r>
-              <a:rPr lang="en-US" sz="2400" b="1" dirty="0" smtClean="0">
+              <a:rPr lang="en-US" sz="2400" b="1" dirty="0">
                 <a:latin typeface="HelveticaNeue-Condensed"/>
               </a:rPr>
               <a:t>demonstrating</a:t>
             </a:r>
             <a:r>
-              <a:rPr lang="en-US" sz="2400" dirty="0" smtClean="0">
-                <a:latin typeface="HelveticaNeue-Condensed"/>
-              </a:rPr>
-              <a:t> essential </a:t>
-            </a:r>
-            <a:r>
               <a:rPr lang="en-US" sz="2400" dirty="0">
                 <a:latin typeface="HelveticaNeue-Condensed"/>
               </a:rPr>
-              <a:t>capabilities such as negotiation, resilience, communication, problem solving, critical thinking, and </a:t>
-            </a:r>
-            <a:r>
-              <a:rPr lang="en-US" sz="2400" b="1" dirty="0" smtClean="0">
-                <a:latin typeface="HelveticaNeue-Condensed"/>
-              </a:rPr>
-              <a:t>interpersonal skills</a:t>
+              <a:t> essential capabilities such as negotiation, resilience, communication, problem solving, critical thinking, and </a:t>
             </a:r>
             <a:r>
               <a:rPr lang="en-US" sz="2400" b="1" dirty="0">
                 <a:latin typeface="HelveticaNeue-Condensed"/>
               </a:rPr>
-              <a:t>.</a:t>
+              <a:t>interpersonal skills.</a:t>
             </a:r>
             <a:r>
               <a:rPr lang="en-US" sz="2400" dirty="0">
                 <a:latin typeface="HelveticaNeue-Condensed"/>
               </a:rPr>
-              <a:t> Projects are becoming increasingly more complicated with more and more businesses executing their </a:t>
-            </a:r>
-            <a:r>
-              <a:rPr lang="en-US" sz="2400" dirty="0" smtClean="0">
-                <a:latin typeface="HelveticaNeue-Condensed"/>
-              </a:rPr>
-              <a:t>strategy through </a:t>
-            </a:r>
-            <a:r>
-              <a:rPr lang="en-US" sz="2400" dirty="0">
-                <a:latin typeface="HelveticaNeue-Condensed"/>
-              </a:rPr>
-              <a:t>projects. Project management is more than just working with numbers, templates, charts, graphs, and computing</a:t>
+              <a:t> Projects are becoming increasingly more complicated with more and more businesses executing their strategy through projects. Project management is more than just working with numbers, templates, charts, graphs, and computing</a:t>
             </a:r>
           </a:p>
           <a:p>
@@ -6543,25 +6253,31 @@
               <a:rPr lang="en-US" sz="2400" dirty="0">
                 <a:latin typeface="HelveticaNeue-Condensed"/>
               </a:rPr>
-              <a:t> (e.g., help to describe the products, goals, and objectives of the project; able to dream </a:t>
-            </a:r>
-            <a:r>
-              <a:rPr lang="en-US" sz="2400" dirty="0" smtClean="0">
-                <a:latin typeface="HelveticaNeue-Condensed"/>
-              </a:rPr>
-              <a:t>and translate </a:t>
-            </a:r>
+              <a:t> (e.g., help to describe the products, goals, and objectives of the project; able to dream and translate those dreams for others);</a:t>
+            </a:r>
+          </a:p>
+          <a:p>
+            <a:pPr marL="342900" indent="-342900">
+              <a:buFont typeface="Wingdings" panose="05000000000000000000" pitchFamily="2" charset="2"/>
+              <a:buChar char="q"/>
+            </a:pPr>
             <a:r>
               <a:rPr lang="en-US" sz="2400" dirty="0">
                 <a:latin typeface="HelveticaNeue-Condensed"/>
               </a:rPr>
-              <a:t>those dreams for others</a:t>
-            </a:r>
-            <a:r>
-              <a:rPr lang="en-US" sz="2400" dirty="0" smtClean="0">
-                <a:latin typeface="HelveticaNeue-Condensed"/>
-              </a:rPr>
-              <a:t>);</a:t>
+              <a:t>Being </a:t>
+            </a:r>
+            <a:r>
+              <a:rPr lang="en-US" sz="2400" b="1" dirty="0">
+                <a:latin typeface="HelveticaNeue-Condensed"/>
+              </a:rPr>
+              <a:t>optimistic and positive</a:t>
+            </a:r>
+            <a:r>
+              <a:rPr lang="en-US" sz="2400" dirty="0">
+                <a:latin typeface="HelveticaNeue-Condensed"/>
+              </a:rPr>
+              <a:t>;</a:t>
             </a:r>
           </a:p>
           <a:p>
@@ -6570,7 +6286,7 @@
               <a:buChar char="q"/>
             </a:pPr>
             <a:r>
-              <a:rPr lang="en-US" sz="2400" dirty="0" smtClean="0">
+              <a:rPr lang="en-US" sz="2400" dirty="0">
                 <a:latin typeface="HelveticaNeue-Condensed"/>
               </a:rPr>
               <a:t>Being </a:t>
@@ -6579,34 +6295,10 @@
               <a:rPr lang="en-US" sz="2400" b="1" dirty="0">
                 <a:latin typeface="HelveticaNeue-Condensed"/>
               </a:rPr>
-              <a:t>optimistic and positive</a:t>
+              <a:t>collaborative</a:t>
             </a:r>
             <a:r>
               <a:rPr lang="en-US" sz="2400" dirty="0">
-                <a:latin typeface="HelveticaNeue-Condensed"/>
-              </a:rPr>
-              <a:t>;</a:t>
-            </a:r>
-          </a:p>
-          <a:p>
-            <a:pPr marL="342900" indent="-342900">
-              <a:buFont typeface="Wingdings" panose="05000000000000000000" pitchFamily="2" charset="2"/>
-              <a:buChar char="q"/>
-            </a:pPr>
-            <a:r>
-              <a:rPr lang="en-US" sz="2400" dirty="0" smtClean="0">
-                <a:latin typeface="HelveticaNeue-Condensed"/>
-              </a:rPr>
-              <a:t>Being </a:t>
-            </a:r>
-            <a:r>
-              <a:rPr lang="en-US" sz="2400" b="1" dirty="0">
-                <a:latin typeface="HelveticaNeue-Condensed"/>
-              </a:rPr>
-              <a:t>collaborative</a:t>
-            </a:r>
-            <a:r>
-              <a:rPr lang="en-US" sz="2400" dirty="0" smtClean="0">
                 <a:latin typeface="HelveticaNeue-Condensed"/>
               </a:rPr>
               <a:t>;</a:t>
@@ -6636,7 +6328,7 @@
               <a:buChar char="q"/>
             </a:pPr>
             <a:r>
-              <a:rPr lang="en-US" sz="2400" dirty="0" smtClean="0"/>
+              <a:rPr lang="en-US" sz="2400" dirty="0"/>
               <a:t>Building </a:t>
             </a:r>
             <a:r>
@@ -6654,12 +6346,8 @@
               <a:buChar char="q"/>
             </a:pPr>
             <a:r>
-              <a:rPr lang="en-US" sz="2400" dirty="0" smtClean="0"/>
-              <a:t>Satisfying </a:t>
-            </a:r>
-            <a:r>
               <a:rPr lang="en-US" sz="2400" dirty="0"/>
-              <a:t>concerns;</a:t>
+              <a:t>Satisfying concerns;</a:t>
             </a:r>
           </a:p>
           <a:p>
@@ -6668,12 +6356,8 @@
               <a:buChar char="q"/>
             </a:pPr>
             <a:r>
-              <a:rPr lang="en-US" sz="2400" dirty="0" smtClean="0"/>
-              <a:t>Seeking </a:t>
-            </a:r>
-            <a:r>
               <a:rPr lang="en-US" sz="2400" dirty="0"/>
-              <a:t>consensus;</a:t>
+              <a:t>Seeking consensus;</a:t>
             </a:r>
           </a:p>
           <a:p>
@@ -6682,12 +6366,8 @@
               <a:buChar char="q"/>
             </a:pPr>
             <a:r>
-              <a:rPr lang="en-US" sz="2400" dirty="0" smtClean="0"/>
-              <a:t>Balancing </a:t>
-            </a:r>
-            <a:r>
               <a:rPr lang="en-US" sz="2400" dirty="0"/>
-              <a:t>competing and opposing goals;</a:t>
+              <a:t>Balancing competing and opposing goals;</a:t>
             </a:r>
           </a:p>
           <a:p>
@@ -6696,12 +6376,8 @@
               <a:buChar char="q"/>
             </a:pPr>
             <a:r>
-              <a:rPr lang="en-US" sz="2400" dirty="0" smtClean="0"/>
-              <a:t>Applying </a:t>
-            </a:r>
-            <a:r>
               <a:rPr lang="en-US" sz="2400" dirty="0"/>
-              <a:t>persuasion, </a:t>
+              <a:t>Applying persuasion, </a:t>
             </a:r>
             <a:r>
               <a:rPr lang="en-US" sz="2400" b="1" dirty="0"/>
@@ -6718,12 +6394,8 @@
               <a:buChar char="q"/>
             </a:pPr>
             <a:r>
-              <a:rPr lang="en-US" sz="2400" dirty="0" smtClean="0"/>
-              <a:t>Developing </a:t>
-            </a:r>
-            <a:r>
               <a:rPr lang="en-US" sz="2400" dirty="0"/>
-              <a:t>and </a:t>
+              <a:t>Developing and </a:t>
             </a:r>
             <a:r>
               <a:rPr lang="en-US" sz="2400" b="1" dirty="0"/>
@@ -6740,12 +6412,8 @@
               <a:buChar char="q"/>
             </a:pPr>
             <a:r>
-              <a:rPr lang="en-US" sz="2400" dirty="0" smtClean="0"/>
-              <a:t>Taking </a:t>
-            </a:r>
-            <a:r>
               <a:rPr lang="en-US" sz="2400" dirty="0"/>
-              <a:t>a </a:t>
+              <a:t>Taking a </a:t>
             </a:r>
             <a:r>
               <a:rPr lang="en-US" sz="2400" b="1" dirty="0"/>
@@ -6753,13 +6421,8 @@
             </a:r>
             <a:r>
               <a:rPr lang="en-US" sz="2400" dirty="0"/>
-              <a:t> that relationships are just as important as the project</a:t>
-            </a:r>
-            <a:r>
-              <a:rPr lang="en-US" sz="2400" dirty="0" smtClean="0"/>
-              <a:t>;</a:t>
-            </a:r>
-            <a:endParaRPr lang="en-US" sz="2400" dirty="0"/>
+              <a:t> that relationships are just as important as the project;</a:t>
+            </a:r>
           </a:p>
         </p:txBody>
       </p:sp>
@@ -6881,16 +6544,10 @@
               <a:buChar char="q"/>
             </a:pPr>
             <a:r>
-              <a:rPr lang="en-US" sz="2400" dirty="0" smtClean="0">
-                <a:latin typeface="HelveticaNeue-Condensed"/>
-              </a:rPr>
-              <a:t>Continuously </a:t>
-            </a:r>
-            <a:r>
               <a:rPr lang="en-US" sz="2400" dirty="0">
                 <a:latin typeface="HelveticaNeue-Condensed"/>
               </a:rPr>
-              <a:t>prioritizing work by reviewing and adjusting as necessary;</a:t>
+              <a:t>Continuously prioritizing work by reviewing and adjusting as necessary;</a:t>
             </a:r>
           </a:p>
           <a:p>
@@ -6899,16 +6556,10 @@
               <a:buChar char="q"/>
             </a:pPr>
             <a:r>
-              <a:rPr lang="en-US" sz="2400" dirty="0" smtClean="0">
-                <a:latin typeface="HelveticaNeue-Condensed"/>
-              </a:rPr>
-              <a:t>Finding </a:t>
-            </a:r>
-            <a:r>
               <a:rPr lang="en-US" sz="2400" dirty="0">
                 <a:latin typeface="HelveticaNeue-Condensed"/>
               </a:rPr>
-              <a:t>and using a prioritization method that works for them and the project;</a:t>
+              <a:t>Finding and using a prioritization method that works for them and the project;</a:t>
             </a:r>
           </a:p>
           <a:p>
@@ -6917,16 +6568,10 @@
               <a:buChar char="q"/>
             </a:pPr>
             <a:r>
-              <a:rPr lang="en-US" sz="2400" dirty="0" smtClean="0">
-                <a:latin typeface="HelveticaNeue-Condensed"/>
-              </a:rPr>
-              <a:t>Differentiating </a:t>
-            </a:r>
-            <a:r>
               <a:rPr lang="en-US" sz="2400" dirty="0">
                 <a:latin typeface="HelveticaNeue-Condensed"/>
               </a:rPr>
-              <a:t>high-level strategic priorities, especially those related to critical success factors for the project;</a:t>
+              <a:t>Differentiating high-level strategic priorities, especially those related to critical success factors for the project;</a:t>
             </a:r>
           </a:p>
           <a:p>
@@ -6935,16 +6580,10 @@
               <a:buChar char="q"/>
             </a:pPr>
             <a:r>
-              <a:rPr lang="en-US" sz="2400" dirty="0" smtClean="0">
-                <a:latin typeface="HelveticaNeue-Condensed"/>
-              </a:rPr>
-              <a:t>Maintaining </a:t>
-            </a:r>
-            <a:r>
               <a:rPr lang="en-US" sz="2400" dirty="0">
                 <a:latin typeface="HelveticaNeue-Condensed"/>
               </a:rPr>
-              <a:t>vigilance on primary project constraints;</a:t>
+              <a:t>Maintaining vigilance on primary project constraints;</a:t>
             </a:r>
           </a:p>
           <a:p>
@@ -6953,16 +6592,10 @@
               <a:buChar char="q"/>
             </a:pPr>
             <a:r>
-              <a:rPr lang="en-US" sz="2400" dirty="0" smtClean="0">
-                <a:latin typeface="HelveticaNeue-Condensed"/>
-              </a:rPr>
-              <a:t>Remaining </a:t>
-            </a:r>
-            <a:r>
               <a:rPr lang="en-US" sz="2400" dirty="0">
                 <a:latin typeface="HelveticaNeue-Condensed"/>
               </a:rPr>
-              <a:t>flexible on tactical priorities; and</a:t>
+              <a:t>Remaining flexible on tactical priorities; and</a:t>
             </a:r>
           </a:p>
           <a:p>
@@ -6971,16 +6604,10 @@
               <a:buChar char="q"/>
             </a:pPr>
             <a:r>
-              <a:rPr lang="en-US" sz="2400" dirty="0" smtClean="0">
-                <a:latin typeface="HelveticaNeue-Condensed"/>
-              </a:rPr>
-              <a:t>Being </a:t>
-            </a:r>
-            <a:r>
               <a:rPr lang="en-US" sz="2400" dirty="0">
                 <a:latin typeface="HelveticaNeue-Condensed"/>
               </a:rPr>
-              <a:t>able to sift through massive amounts of information to obtain the most important information.</a:t>
+              <a:t>Being able to sift through massive amounts of information to obtain the most important information.</a:t>
             </a:r>
           </a:p>
           <a:p>
@@ -6989,16 +6616,10 @@
               <a:buChar char="q"/>
             </a:pPr>
             <a:r>
-              <a:rPr lang="en-US" sz="2400" dirty="0" smtClean="0">
-                <a:latin typeface="HelveticaNeue-Condensed"/>
-              </a:rPr>
-              <a:t>Having </a:t>
-            </a:r>
-            <a:r>
               <a:rPr lang="en-US" sz="2400" dirty="0">
                 <a:latin typeface="HelveticaNeue-Condensed"/>
               </a:rPr>
-              <a:t>a holistic and systemic view of the project, taking into account internal and external factors equally;</a:t>
+              <a:t>Having a holistic and systemic view of the project, taking into account internal and external factors equally;</a:t>
             </a:r>
           </a:p>
           <a:p>
@@ -7007,7 +6628,7 @@
               <a:buChar char="q"/>
             </a:pPr>
             <a:r>
-              <a:rPr lang="en-US" dirty="0" smtClean="0">
+              <a:rPr lang="en-US" dirty="0">
                 <a:latin typeface="Wingdings-Regular"/>
               </a:rPr>
               <a:t> </a:t>
@@ -7037,7 +6658,7 @@
               <a:buChar char="q"/>
             </a:pPr>
             <a:r>
-              <a:rPr lang="en-US" dirty="0" smtClean="0">
+              <a:rPr lang="en-US" dirty="0">
                 <a:latin typeface="Wingdings-Regular"/>
               </a:rPr>
               <a:t> </a:t>
@@ -7046,19 +6667,7 @@
               <a:rPr lang="en-US" sz="2400" dirty="0">
                 <a:latin typeface="HelveticaNeue-Condensed"/>
               </a:rPr>
-              <a:t>Being able to build effective teams, be service-oriented, and have fun and share humor effectively </a:t>
-            </a:r>
-            <a:r>
-              <a:rPr lang="en-US" sz="2400" dirty="0" smtClean="0">
-                <a:latin typeface="HelveticaNeue-Condensed"/>
-              </a:rPr>
-              <a:t>with team embers</a:t>
-            </a:r>
-            <a:r>
-              <a:rPr lang="en-US" sz="2400" dirty="0">
-                <a:latin typeface="HelveticaNeue-Condensed"/>
-              </a:rPr>
-              <a:t>.</a:t>
+              <a:t>Being able to build effective teams, be service-oriented, and have fun and share humor effectively with team embers.</a:t>
             </a:r>
             <a:endParaRPr lang="en-US" sz="2400" dirty="0"/>
           </a:p>
@@ -7120,13 +6729,7 @@
               <a:rPr lang="en-US" sz="2400" b="1" dirty="0">
                 <a:latin typeface="HelveticaNeue-MediumCond"/>
               </a:rPr>
-              <a:t>POLITICS, POWER, AND GETTING THINGS </a:t>
-            </a:r>
-            <a:r>
-              <a:rPr lang="en-US" sz="2400" b="1" dirty="0" smtClean="0">
-                <a:latin typeface="HelveticaNeue-MediumCond"/>
-              </a:rPr>
-              <a:t>DONE</a:t>
+              <a:t>POLITICS, POWER, AND GETTING THINGS DONE</a:t>
             </a:r>
           </a:p>
           <a:p>
@@ -7141,37 +6744,7 @@
               <a:rPr lang="en-US" sz="2000" dirty="0">
                 <a:latin typeface="HelveticaNeue-Condensed"/>
               </a:rPr>
-              <a:t>Leadership and management are ultimately about being able to get things done. The skills and qualities noted </a:t>
-            </a:r>
-            <a:r>
-              <a:rPr lang="en-US" sz="2000" dirty="0" smtClean="0">
-                <a:latin typeface="HelveticaNeue-Condensed"/>
-              </a:rPr>
-              <a:t>help the </a:t>
-            </a:r>
-            <a:r>
-              <a:rPr lang="en-US" sz="2000" dirty="0">
-                <a:latin typeface="HelveticaNeue-Condensed"/>
-              </a:rPr>
-              <a:t>project manager to achieve the project goals and objectives. At the root of many of these skills and qualities is </a:t>
-            </a:r>
-            <a:r>
-              <a:rPr lang="en-US" sz="2000" dirty="0" smtClean="0">
-                <a:latin typeface="HelveticaNeue-Condensed"/>
-              </a:rPr>
-              <a:t>the ability </a:t>
-            </a:r>
-            <a:r>
-              <a:rPr lang="en-US" sz="2000" dirty="0">
-                <a:latin typeface="HelveticaNeue-Condensed"/>
-              </a:rPr>
-              <a:t>to deal with politics. Politics involves influence, negotiation, autonomy, and power</a:t>
-            </a:r>
-            <a:r>
-              <a:rPr lang="en-US" sz="2000" dirty="0" smtClean="0">
-                <a:latin typeface="HelveticaNeue-Condensed"/>
-              </a:rPr>
-              <a:t>.</a:t>
+              <a:t>Leadership and management are ultimately about being able to get things done. The skills and qualities noted help the project manager to achieve the project goals and objectives. At the root of many of these skills and qualities is the ability to deal with politics. Politics involves influence, negotiation, autonomy, and power.</a:t>
             </a:r>
           </a:p>
           <a:p>
@@ -7186,13 +6759,7 @@
               <a:rPr lang="en-US" sz="2000" dirty="0">
                 <a:latin typeface="HelveticaNeue-Condensed"/>
               </a:rPr>
-              <a:t>Politics and its associated elements are not “good” or “bad,” “positive” or “negative” alone. The better the </a:t>
-            </a:r>
-            <a:r>
-              <a:rPr lang="en-US" sz="2000" dirty="0" smtClean="0">
-                <a:latin typeface="HelveticaNeue-Condensed"/>
-              </a:rPr>
-              <a:t>project</a:t>
+              <a:t>Politics and its associated elements are not “good” or “bad,” “positive” or “negative” alone. The better the project</a:t>
             </a:r>
           </a:p>
           <a:p>
@@ -7207,13 +6774,7 @@
               <a:rPr lang="en-US" sz="2000" dirty="0">
                 <a:latin typeface="HelveticaNeue-Condensed"/>
               </a:rPr>
-              <a:t>manager understands how the organization works, the more likely he or she will be successful. The project </a:t>
-            </a:r>
-            <a:r>
-              <a:rPr lang="en-US" sz="2000" dirty="0" smtClean="0">
-                <a:latin typeface="HelveticaNeue-Condensed"/>
-              </a:rPr>
-              <a:t>manager</a:t>
+              <a:t>manager understands how the organization works, the more likely he or she will be successful. The project manager</a:t>
             </a:r>
           </a:p>
           <a:p>
@@ -7228,19 +6789,7 @@
               <a:rPr lang="en-US" sz="2000" dirty="0">
                 <a:latin typeface="HelveticaNeue-Condensed"/>
               </a:rPr>
-              <a:t>observes and collects data about the project and organizational landscapes. The data then needs to be reviewed in </a:t>
-            </a:r>
-            <a:r>
-              <a:rPr lang="en-US" sz="2000" dirty="0" smtClean="0">
-                <a:latin typeface="HelveticaNeue-Condensed"/>
-              </a:rPr>
-              <a:t>the context </a:t>
-            </a:r>
-            <a:r>
-              <a:rPr lang="en-US" sz="2000" dirty="0">
-                <a:latin typeface="HelveticaNeue-Condensed"/>
-              </a:rPr>
-              <a:t>of the project, the people involved, the organization, and the environment as a whole.</a:t>
+              <a:t>observes and collects data about the project and organizational landscapes. The data then needs to be reviewed in the context of the project, the people involved, the organization, and the environment as a whole.</a:t>
             </a:r>
             <a:endParaRPr lang="en-US" sz="2000" dirty="0"/>
           </a:p>
@@ -7301,13 +6850,7 @@
               <a:rPr lang="en-US" sz="2000" b="1" dirty="0">
                 <a:latin typeface="HelveticaNeue-MediumCond"/>
               </a:rPr>
-              <a:t>LEADERSHIP </a:t>
-            </a:r>
-            <a:r>
-              <a:rPr lang="en-US" sz="2000" b="1" dirty="0" smtClean="0">
-                <a:latin typeface="HelveticaNeue-MediumCond"/>
-              </a:rPr>
-              <a:t>STYLES   SHOULD BE EMBADED IN PROJECT MANAGER</a:t>
+              <a:t>LEADERSHIP STYLES   SHOULD BE EMBADED IN PROJECT MANAGER</a:t>
             </a:r>
           </a:p>
           <a:p>
@@ -7320,37 +6863,7 @@
               <a:rPr lang="en-US" sz="2000" dirty="0">
                 <a:latin typeface="HelveticaNeue-Condensed"/>
               </a:rPr>
-              <a:t>Project managers may lead their teams in many ways. The style a project manager selects may be a </a:t>
-            </a:r>
-            <a:r>
-              <a:rPr lang="en-US" sz="2000" dirty="0" smtClean="0">
-                <a:latin typeface="HelveticaNeue-Condensed"/>
-              </a:rPr>
-              <a:t>personal preference</a:t>
-            </a:r>
-            <a:r>
-              <a:rPr lang="en-US" sz="2000" dirty="0">
-                <a:latin typeface="HelveticaNeue-Condensed"/>
-              </a:rPr>
-              <a:t>, or the result of the combination of multiple factors associated with the project. The style a project </a:t>
-            </a:r>
-            <a:r>
-              <a:rPr lang="en-US" sz="2000" dirty="0" smtClean="0">
-                <a:latin typeface="HelveticaNeue-Condensed"/>
-              </a:rPr>
-              <a:t>manager uses </a:t>
-            </a:r>
-            <a:r>
-              <a:rPr lang="en-US" sz="2000" dirty="0">
-                <a:latin typeface="HelveticaNeue-Condensed"/>
-              </a:rPr>
-              <a:t>may change over time based on the factors in play. Major factors to consider include but are not limited to</a:t>
-            </a:r>
-            <a:r>
-              <a:rPr lang="en-US" sz="2000" dirty="0" smtClean="0">
-                <a:latin typeface="HelveticaNeue-Condensed"/>
-              </a:rPr>
-              <a:t>:</a:t>
+              <a:t>Project managers may lead their teams in many ways. The style a project manager selects may be a personal preference, or the result of the combination of multiple factors associated with the project. The style a project manager uses may change over time based on the factors in play. Major factors to consider include but are not limited to:</a:t>
             </a:r>
           </a:p>
           <a:p>
@@ -7364,16 +6877,10 @@
               <a:buChar char="q"/>
             </a:pPr>
             <a:r>
-              <a:rPr lang="en-US" sz="2000" dirty="0" smtClean="0">
-                <a:latin typeface="HelveticaNeue-Condensed"/>
-              </a:rPr>
-              <a:t>Leader </a:t>
-            </a:r>
-            <a:r>
               <a:rPr lang="en-US" sz="2000" dirty="0">
                 <a:latin typeface="HelveticaNeue-Condensed"/>
               </a:rPr>
-              <a:t>characteristics (e.g., attitudes, moods, needs, values, ethics);</a:t>
+              <a:t>Leader characteristics (e.g., attitudes, moods, needs, values, ethics);</a:t>
             </a:r>
           </a:p>
           <a:p>
@@ -7382,7 +6889,7 @@
               <a:buChar char="q"/>
             </a:pPr>
             <a:r>
-              <a:rPr lang="en-US" sz="1600" dirty="0" smtClean="0">
+              <a:rPr lang="en-US" sz="1600" dirty="0">
                 <a:latin typeface="Wingdings-Regular"/>
               </a:rPr>
               <a:t> </a:t>
@@ -7400,22 +6907,10 @@
               <a:buChar char="q"/>
             </a:pPr>
             <a:r>
-              <a:rPr lang="en-US" sz="2000" dirty="0" smtClean="0">
-                <a:latin typeface="HelveticaNeue-Condensed"/>
-              </a:rPr>
-              <a:t>Organizational </a:t>
-            </a:r>
-            <a:r>
               <a:rPr lang="en-US" sz="2000" dirty="0">
                 <a:latin typeface="HelveticaNeue-Condensed"/>
               </a:rPr>
-              <a:t>characteristics (e.g., its purpose, structure, and type of work performed); </a:t>
-            </a:r>
-            <a:r>
-              <a:rPr lang="en-US" sz="2000" dirty="0" smtClean="0">
-                <a:latin typeface="HelveticaNeue-Condensed"/>
-              </a:rPr>
-              <a:t>and</a:t>
+              <a:t>Organizational characteristics (e.g., its purpose, structure, and type of work performed); and</a:t>
             </a:r>
           </a:p>
           <a:p>
@@ -7424,7 +6919,7 @@
               <a:buChar char="q"/>
             </a:pPr>
             <a:r>
-              <a:rPr lang="en-US" sz="1600" dirty="0" smtClean="0">
+              <a:rPr lang="en-US" sz="1600" dirty="0">
                 <a:latin typeface="Wingdings-Regular"/>
               </a:rPr>
               <a:t> </a:t>
@@ -7491,7 +6986,7 @@
           <a:lstStyle/>
           <a:p>
             <a:r>
-              <a:rPr lang="en-US" sz="2800" dirty="0" smtClean="0">
+              <a:rPr lang="en-US" sz="2800" dirty="0">
                 <a:latin typeface="HelveticaNeue-Condensed"/>
               </a:rPr>
               <a:t>LEADERSHIP STYLES, SELECT SHOULD BE IN PROJECT MANAGER</a:t>
@@ -7530,7 +7025,7 @@
           <a:p>
             <a:pPr algn="just"/>
             <a:r>
-              <a:rPr lang="en-US" b="1" dirty="0" smtClean="0">
+              <a:rPr lang="en-US" b="1" dirty="0">
                 <a:latin typeface="Arial" panose="020B0604020202020204" pitchFamily="34" charset="0"/>
                 <a:cs typeface="Arial" panose="020B0604020202020204" pitchFamily="34" charset="0"/>
               </a:rPr>
@@ -7551,14 +7046,7 @@
                 <a:latin typeface="Arial" panose="020B0604020202020204" pitchFamily="34" charset="0"/>
                 <a:cs typeface="Arial" panose="020B0604020202020204" pitchFamily="34" charset="0"/>
               </a:rPr>
-              <a:t>by exception</a:t>
-            </a:r>
-            <a:r>
-              <a:rPr lang="en-US" dirty="0" smtClean="0">
-                <a:latin typeface="Arial" panose="020B0604020202020204" pitchFamily="34" charset="0"/>
-                <a:cs typeface="Arial" panose="020B0604020202020204" pitchFamily="34" charset="0"/>
-              </a:rPr>
-              <a:t>);</a:t>
+              <a:t>by exception);</a:t>
             </a:r>
           </a:p>
           <a:p>
@@ -7571,46 +7059,18 @@
           <a:p>
             <a:pPr algn="just"/>
             <a:r>
-              <a:rPr lang="en-US" b="1" dirty="0" smtClean="0">
-                <a:latin typeface="Arial" panose="020B0604020202020204" pitchFamily="34" charset="0"/>
-                <a:cs typeface="Arial" panose="020B0604020202020204" pitchFamily="34" charset="0"/>
-              </a:rPr>
-              <a:t>Servant </a:t>
-            </a:r>
-            <a:r>
               <a:rPr lang="en-US" b="1" dirty="0">
                 <a:latin typeface="Arial" panose="020B0604020202020204" pitchFamily="34" charset="0"/>
                 <a:cs typeface="Arial" panose="020B0604020202020204" pitchFamily="34" charset="0"/>
               </a:rPr>
-              <a:t>leader </a:t>
+              <a:t>Servant leader </a:t>
             </a:r>
             <a:r>
               <a:rPr lang="en-US" dirty="0">
                 <a:latin typeface="Arial" panose="020B0604020202020204" pitchFamily="34" charset="0"/>
                 <a:cs typeface="Arial" panose="020B0604020202020204" pitchFamily="34" charset="0"/>
               </a:rPr>
-              <a:t>(e.g., demonstrates commitment to serve and put other people first; focuses on other </a:t>
-            </a:r>
-            <a:r>
-              <a:rPr lang="en-US" dirty="0" smtClean="0">
-                <a:latin typeface="Arial" panose="020B0604020202020204" pitchFamily="34" charset="0"/>
-                <a:cs typeface="Arial" panose="020B0604020202020204" pitchFamily="34" charset="0"/>
-              </a:rPr>
-              <a:t>people’s growth</a:t>
-            </a:r>
-            <a:r>
-              <a:rPr lang="en-US" dirty="0">
-                <a:latin typeface="Arial" panose="020B0604020202020204" pitchFamily="34" charset="0"/>
-                <a:cs typeface="Arial" panose="020B0604020202020204" pitchFamily="34" charset="0"/>
-              </a:rPr>
-              <a:t>, learning, development, autonomy, and well-being; concentrates on relationships, community </a:t>
-            </a:r>
-            <a:r>
-              <a:rPr lang="en-US" dirty="0" smtClean="0">
-                <a:latin typeface="Arial" panose="020B0604020202020204" pitchFamily="34" charset="0"/>
-                <a:cs typeface="Arial" panose="020B0604020202020204" pitchFamily="34" charset="0"/>
-              </a:rPr>
-              <a:t>and</a:t>
+              <a:t>(e.g., demonstrates commitment to serve and put other people first; focuses on other people’s growth, learning, development, autonomy, and well-being; concentrates on relationships, community and</a:t>
             </a:r>
           </a:p>
           <a:p>
@@ -7640,7 +7100,7 @@
           <a:p>
             <a:pPr algn="just"/>
             <a:r>
-              <a:rPr lang="en-US" dirty="0" smtClean="0">
+              <a:rPr lang="en-US" dirty="0">
                 <a:latin typeface="Arial" panose="020B0604020202020204" pitchFamily="34" charset="0"/>
                 <a:cs typeface="Arial" panose="020B0604020202020204" pitchFamily="34" charset="0"/>
               </a:rPr>
@@ -7658,14 +7118,7 @@
                 <a:latin typeface="Arial" panose="020B0604020202020204" pitchFamily="34" charset="0"/>
                 <a:cs typeface="Arial" panose="020B0604020202020204" pitchFamily="34" charset="0"/>
               </a:rPr>
-              <a:t>motivation</a:t>
-            </a:r>
-            <a:r>
-              <a:rPr lang="en-US" dirty="0" smtClean="0">
-                <a:latin typeface="Arial" panose="020B0604020202020204" pitchFamily="34" charset="0"/>
-                <a:cs typeface="Arial" panose="020B0604020202020204" pitchFamily="34" charset="0"/>
-              </a:rPr>
-              <a:t>,</a:t>
+              <a:t>motivation,</a:t>
             </a:r>
           </a:p>
           <a:p>
@@ -7695,35 +7148,21 @@
           <a:p>
             <a:pPr algn="just"/>
             <a:r>
-              <a:rPr lang="en-US" dirty="0" smtClean="0">
-                <a:latin typeface="Arial" panose="020B0604020202020204" pitchFamily="34" charset="0"/>
-                <a:cs typeface="Arial" panose="020B0604020202020204" pitchFamily="34" charset="0"/>
-              </a:rPr>
-              <a:t>Charismatic </a:t>
-            </a:r>
-            <a:r>
               <a:rPr lang="en-US" dirty="0">
                 <a:latin typeface="Arial" panose="020B0604020202020204" pitchFamily="34" charset="0"/>
                 <a:cs typeface="Arial" panose="020B0604020202020204" pitchFamily="34" charset="0"/>
               </a:rPr>
-              <a:t>(e.g., able to inspire; is high-energy, enthusiastic, self-confident; holds strong convictions); and</a:t>
-            </a:r>
-          </a:p>
-          <a:p>
-            <a:pPr algn="just"/>
-            <a:r>
-              <a:rPr lang="en-US" dirty="0" smtClean="0">
-                <a:latin typeface="Arial" panose="020B0604020202020204" pitchFamily="34" charset="0"/>
-                <a:cs typeface="Arial" panose="020B0604020202020204" pitchFamily="34" charset="0"/>
-              </a:rPr>
-              <a:t>Interactional </a:t>
-            </a:r>
+              <a:t>Charismatic (e.g., able to inspire; is high-energy, enthusiastic, self-confident; holds strong convictions); and</a:t>
+            </a:r>
+          </a:p>
+          <a:p>
+            <a:pPr algn="just"/>
             <a:r>
               <a:rPr lang="en-US" dirty="0">
                 <a:latin typeface="Arial" panose="020B0604020202020204" pitchFamily="34" charset="0"/>
                 <a:cs typeface="Arial" panose="020B0604020202020204" pitchFamily="34" charset="0"/>
               </a:rPr>
-              <a:t>(e.g., a combination of transactional, transformational, and charismatic).</a:t>
+              <a:t>Interactional (e.g., a combination of transactional, transformational, and charismatic).</a:t>
             </a:r>
           </a:p>
         </p:txBody>
@@ -7783,13 +7222,7 @@
               <a:rPr lang="en-US" sz="2800" b="1" dirty="0">
                 <a:latin typeface="HelveticaNeue-BoldCond"/>
               </a:rPr>
-              <a:t>PERFORMING </a:t>
-            </a:r>
-            <a:r>
-              <a:rPr lang="en-US" sz="2800" b="1" dirty="0" smtClean="0">
-                <a:latin typeface="HelveticaNeue-BoldCond"/>
-              </a:rPr>
-              <a:t>INTEGRATION</a:t>
+              <a:t>PERFORMING INTEGRATION</a:t>
             </a:r>
           </a:p>
           <a:p>
@@ -7802,13 +7235,7 @@
               <a:rPr lang="en-US" sz="2000" dirty="0">
                 <a:latin typeface="HelveticaNeue-Condensed"/>
               </a:rPr>
-              <a:t>The role of the project manager is twofold when performing integration on the project</a:t>
-            </a:r>
-            <a:r>
-              <a:rPr lang="en-US" sz="2000" dirty="0" smtClean="0">
-                <a:latin typeface="HelveticaNeue-Condensed"/>
-              </a:rPr>
-              <a:t>:</a:t>
+              <a:t>The role of the project manager is twofold when performing integration on the project:</a:t>
             </a:r>
           </a:p>
           <a:p>
@@ -7822,16 +7249,10 @@
               <a:buChar char="q"/>
             </a:pPr>
             <a:r>
-              <a:rPr lang="en-US" sz="2000" dirty="0" smtClean="0">
-                <a:latin typeface="HelveticaNeue-Condensed"/>
-              </a:rPr>
-              <a:t>Project </a:t>
-            </a:r>
-            <a:r>
               <a:rPr lang="en-US" sz="2000" dirty="0">
                 <a:latin typeface="HelveticaNeue-Condensed"/>
               </a:rPr>
-              <a:t>managers play a key role in working with the project sponsor to understand the strategic objectives and</a:t>
+              <a:t>Project managers play a key role in working with the project sponsor to understand the strategic objectives and</a:t>
             </a:r>
           </a:p>
           <a:p>
@@ -7855,13 +7276,7 @@
               <a:rPr lang="en-US" sz="2000" dirty="0">
                 <a:latin typeface="HelveticaNeue-Condensed"/>
               </a:rPr>
-              <a:t>areas. In this way, project managers contribute to the integration and execution of the strategy</a:t>
-            </a:r>
-            <a:r>
-              <a:rPr lang="en-US" sz="2000" dirty="0" smtClean="0">
-                <a:latin typeface="HelveticaNeue-Condensed"/>
-              </a:rPr>
-              <a:t>.</a:t>
+              <a:t>areas. In this way, project managers contribute to the integration and execution of the strategy.</a:t>
             </a:r>
           </a:p>
           <a:p>
@@ -7872,34 +7287,10 @@
           </a:p>
           <a:p>
             <a:r>
-              <a:rPr lang="en-US" sz="2000" dirty="0" smtClean="0">
-                <a:latin typeface="HelveticaNeue-Condensed"/>
-              </a:rPr>
-              <a:t>Project </a:t>
-            </a:r>
-            <a:r>
               <a:rPr lang="en-US" sz="2000" dirty="0">
                 <a:latin typeface="HelveticaNeue-Condensed"/>
               </a:rPr>
-              <a:t>managers are responsible for guiding the team to work together to focus on what is really essential at </a:t>
-            </a:r>
-            <a:r>
-              <a:rPr lang="en-US" sz="2000" dirty="0" smtClean="0">
-                <a:latin typeface="HelveticaNeue-Condensed"/>
-              </a:rPr>
-              <a:t>the project </a:t>
-            </a:r>
-            <a:r>
-              <a:rPr lang="en-US" sz="2000" dirty="0">
-                <a:latin typeface="HelveticaNeue-Condensed"/>
-              </a:rPr>
-              <a:t>level. This is achieved through the integration of processes, knowledge, and people</a:t>
-            </a:r>
-            <a:r>
-              <a:rPr lang="en-US" sz="2000" dirty="0" smtClean="0">
-                <a:latin typeface="HelveticaNeue-Condensed"/>
-              </a:rPr>
-              <a:t>.</a:t>
+              <a:t>Project managers are responsible for guiding the team to work together to focus on what is really essential at the project level. This is achieved through the integration of processes, knowledge, and people.</a:t>
             </a:r>
           </a:p>
           <a:p>
@@ -7912,17 +7303,8 @@
               <a:rPr lang="en-US" sz="2000" dirty="0">
                 <a:latin typeface="HelveticaNeue-Condensed"/>
               </a:rPr>
-              <a:t>Integration is a critical skill for project managers. Integration is covered more in depth in the Project </a:t>
-            </a:r>
-            <a:r>
-              <a:rPr lang="en-US" sz="2000" dirty="0" smtClean="0">
-                <a:latin typeface="HelveticaNeue-Condensed"/>
-              </a:rPr>
-              <a:t>Integration </a:t>
-            </a:r>
-            <a:endParaRPr lang="en-US" sz="2000" dirty="0">
-              <a:latin typeface="HelveticaNeue-Condensed"/>
-            </a:endParaRPr>
+              <a:t>Integration is a critical skill for project managers. Integration is covered more in depth in the Project Integration </a:t>
+            </a:r>
           </a:p>
         </p:txBody>
       </p:sp>
@@ -7979,7 +7361,7 @@
           <a:p>
             <a:pPr algn="just"/>
             <a:r>
-              <a:rPr lang="en-US" sz="2400" b="1" i="0" u="none" strike="noStrike" baseline="0" dirty="0" smtClean="0">
+              <a:rPr lang="en-US" sz="2400" b="1" i="0" u="none" strike="noStrike" baseline="0" dirty="0">
                 <a:latin typeface="HelveticaNeue-BoldCond"/>
               </a:rPr>
               <a:t>Project Scope Management.</a:t>
@@ -7994,13 +7376,13 @@
           <a:p>
             <a:pPr algn="just"/>
             <a:r>
-              <a:rPr lang="en-US" sz="2400" b="1" i="0" u="none" strike="noStrike" baseline="0" dirty="0" smtClean="0">
+              <a:rPr lang="en-US" sz="2400" b="1" i="0" u="none" strike="noStrike" baseline="0" dirty="0">
                 <a:latin typeface="HelveticaNeue-BoldCond"/>
               </a:rPr>
               <a:t> </a:t>
             </a:r>
             <a:r>
-              <a:rPr lang="en-US" sz="2400" b="0" i="0" u="none" strike="noStrike" baseline="0" dirty="0" smtClean="0">
+              <a:rPr lang="en-US" sz="2400" b="0" i="0" u="none" strike="noStrike" baseline="0" dirty="0">
                 <a:latin typeface="HelveticaNeue-Condensed"/>
               </a:rPr>
               <a:t>Includes the processes required to ensure the project includes all the work required, and only the work required, to complete the project successfully.</a:t>
@@ -8086,7 +7468,7 @@
           <a:p>
             <a:pPr algn="just"/>
             <a:r>
-              <a:rPr lang="en-US" sz="2000" b="1" i="0" u="none" strike="noStrike" baseline="0" dirty="0" smtClean="0">
+              <a:rPr lang="en-US" sz="2000" b="1" i="0" u="none" strike="noStrike" baseline="0" dirty="0">
                 <a:latin typeface="HelveticaNeue-BoldCond"/>
               </a:rPr>
               <a:t>Project time Management.</a:t>
@@ -8101,13 +7483,13 @@
           <a:p>
             <a:pPr algn="just"/>
             <a:r>
-              <a:rPr lang="en-US" sz="2000" b="1" i="0" u="none" strike="noStrike" baseline="0" dirty="0" smtClean="0">
+              <a:rPr lang="en-US" sz="2000" b="1" i="0" u="none" strike="noStrike" baseline="0" dirty="0">
                 <a:latin typeface="HelveticaNeue-BoldCond"/>
               </a:rPr>
               <a:t> </a:t>
             </a:r>
             <a:r>
-              <a:rPr lang="en-US" sz="2000" b="0" i="0" u="none" strike="noStrike" baseline="0" dirty="0" smtClean="0">
+              <a:rPr lang="en-US" sz="2000" b="0" i="0" u="none" strike="noStrike" baseline="0" dirty="0">
                 <a:latin typeface="HelveticaNeue-Condensed"/>
               </a:rPr>
               <a:t>Includes the processes required to manage the timely completion of the project.</a:t>
@@ -8115,14 +7497,14 @@
           </a:p>
           <a:p>
             <a:pPr algn="just"/>
-            <a:endParaRPr lang="en-US" sz="2000" b="0" i="0" u="none" strike="noStrike" baseline="0" dirty="0" smtClean="0">
+            <a:endParaRPr lang="en-US" sz="2000" b="0" i="0" u="none" strike="noStrike" baseline="0" dirty="0">
               <a:latin typeface="HelveticaNeue-Condensed"/>
             </a:endParaRPr>
           </a:p>
           <a:p>
             <a:pPr algn="just"/>
             <a:r>
-              <a:rPr lang="en-US" sz="2000" b="1" i="0" u="none" strike="noStrike" baseline="0" dirty="0" smtClean="0">
+              <a:rPr lang="en-US" sz="2000" b="1" i="0" u="none" strike="noStrike" baseline="0" dirty="0">
                 <a:latin typeface="HelveticaNeue-BoldCond"/>
               </a:rPr>
               <a:t>Project Cost Management.</a:t>
@@ -8137,25 +7519,25 @@
           <a:p>
             <a:pPr algn="just"/>
             <a:r>
-              <a:rPr lang="en-US" sz="2000" b="1" i="0" u="none" strike="noStrike" baseline="0" dirty="0" smtClean="0">
+              <a:rPr lang="en-US" sz="2000" b="1" i="0" u="none" strike="noStrike" baseline="0" dirty="0">
                 <a:latin typeface="HelveticaNeue-BoldCond"/>
               </a:rPr>
               <a:t> </a:t>
             </a:r>
             <a:r>
-              <a:rPr lang="en-US" sz="2000" b="0" i="0" u="none" strike="noStrike" baseline="0" dirty="0" smtClean="0">
+              <a:rPr lang="en-US" sz="2000" b="0" i="0" u="none" strike="noStrike" baseline="0" dirty="0">
                 <a:latin typeface="HelveticaNeue-Condensed"/>
               </a:rPr>
               <a:t>Includes the processes involved in planning, estimating, budgeting, </a:t>
             </a:r>
             <a:r>
-              <a:rPr lang="en-US" sz="2000" b="0" i="0" u="none" strike="noStrike" baseline="0" dirty="0" err="1" smtClean="0">
+              <a:rPr lang="en-US" sz="2000" b="0" i="0" u="none" strike="noStrike" baseline="0" dirty="0" err="1">
                 <a:latin typeface="HelveticaNeue-Condensed"/>
               </a:rPr>
               <a:t>financing,funding</a:t>
             </a:r>
             <a:r>
-              <a:rPr lang="en-US" sz="2000" b="0" i="0" u="none" strike="noStrike" baseline="0" dirty="0" smtClean="0">
+              <a:rPr lang="en-US" sz="2000" b="0" i="0" u="none" strike="noStrike" baseline="0" dirty="0">
                 <a:latin typeface="HelveticaNeue-Condensed"/>
               </a:rPr>
               <a:t>, managing, and controlling costs so the project can be completed within the approved budget.</a:t>
@@ -8163,14 +7545,14 @@
           </a:p>
           <a:p>
             <a:pPr algn="just"/>
-            <a:endParaRPr lang="en-US" sz="2000" b="0" i="0" u="none" strike="noStrike" baseline="0" dirty="0" smtClean="0">
+            <a:endParaRPr lang="en-US" sz="2000" b="0" i="0" u="none" strike="noStrike" baseline="0" dirty="0">
               <a:latin typeface="HelveticaNeue-Condensed"/>
             </a:endParaRPr>
           </a:p>
           <a:p>
             <a:pPr algn="just"/>
             <a:r>
-              <a:rPr lang="en-US" sz="2000" b="1" i="0" u="none" strike="noStrike" baseline="0" dirty="0" smtClean="0">
+              <a:rPr lang="en-US" sz="2000" b="1" i="0" u="none" strike="noStrike" baseline="0" dirty="0">
                 <a:latin typeface="HelveticaNeue-BoldCond"/>
               </a:rPr>
               <a:t>Project Quality Management.</a:t>
@@ -8185,13 +7567,13 @@
           <a:p>
             <a:pPr algn="just"/>
             <a:r>
-              <a:rPr lang="en-US" sz="2000" b="1" i="0" u="none" strike="noStrike" baseline="0" dirty="0" smtClean="0">
+              <a:rPr lang="en-US" sz="2000" b="1" i="0" u="none" strike="noStrike" baseline="0" dirty="0">
                 <a:latin typeface="HelveticaNeue-BoldCond"/>
               </a:rPr>
               <a:t> </a:t>
             </a:r>
             <a:r>
-              <a:rPr lang="en-US" sz="2000" b="0" i="0" u="none" strike="noStrike" baseline="0" dirty="0" smtClean="0">
+              <a:rPr lang="en-US" sz="2000" b="0" i="0" u="none" strike="noStrike" baseline="0" dirty="0">
                 <a:latin typeface="HelveticaNeue-Condensed"/>
               </a:rPr>
               <a:t>Includes the processes for incorporating the organization’s quality policy</a:t>
@@ -8200,7 +7582,7 @@
           <a:p>
             <a:pPr algn="just"/>
             <a:r>
-              <a:rPr lang="en-US" sz="2000" b="0" i="0" u="none" strike="noStrike" baseline="0" dirty="0" smtClean="0">
+              <a:rPr lang="en-US" sz="2000" b="0" i="0" u="none" strike="noStrike" baseline="0" dirty="0">
                 <a:latin typeface="HelveticaNeue-Condensed"/>
               </a:rPr>
               <a:t>regarding planning, managing, and controlling project and product quality requirements, in order to meet</a:t>
@@ -8209,7 +7591,7 @@
           <a:p>
             <a:pPr algn="just"/>
             <a:r>
-              <a:rPr lang="en-US" sz="2000" b="0" i="0" u="none" strike="noStrike" baseline="0" dirty="0" smtClean="0">
+              <a:rPr lang="en-US" sz="2000" b="0" i="0" u="none" strike="noStrike" baseline="0" dirty="0">
                 <a:latin typeface="HelveticaNeue-Condensed"/>
               </a:rPr>
               <a:t>stakeholders’ expectations.</a:t>
@@ -8217,14 +7599,14 @@
           </a:p>
           <a:p>
             <a:pPr algn="just"/>
-            <a:endParaRPr lang="en-US" sz="2000" b="0" i="0" u="none" strike="noStrike" baseline="0" dirty="0" smtClean="0">
+            <a:endParaRPr lang="en-US" sz="2000" b="0" i="0" u="none" strike="noStrike" baseline="0" dirty="0">
               <a:latin typeface="HelveticaNeue-Condensed"/>
             </a:endParaRPr>
           </a:p>
           <a:p>
             <a:pPr algn="just"/>
             <a:r>
-              <a:rPr lang="en-US" sz="2000" b="1" i="0" u="none" strike="noStrike" baseline="0" dirty="0" smtClean="0">
+              <a:rPr lang="en-US" sz="2000" b="1" i="0" u="none" strike="noStrike" baseline="0" dirty="0">
                 <a:latin typeface="HelveticaNeue-BoldCond"/>
               </a:rPr>
               <a:t>Project Resource Management.</a:t>
@@ -8239,13 +7621,13 @@
           <a:p>
             <a:pPr algn="just"/>
             <a:r>
-              <a:rPr lang="en-US" sz="2000" b="1" i="0" u="none" strike="noStrike" baseline="0" dirty="0" smtClean="0">
+              <a:rPr lang="en-US" sz="2000" b="1" i="0" u="none" strike="noStrike" baseline="0" dirty="0">
                 <a:latin typeface="HelveticaNeue-BoldCond"/>
               </a:rPr>
               <a:t> </a:t>
             </a:r>
             <a:r>
-              <a:rPr lang="en-US" sz="2000" b="0" i="0" u="none" strike="noStrike" baseline="0" dirty="0" smtClean="0">
+              <a:rPr lang="en-US" sz="2000" b="0" i="0" u="none" strike="noStrike" baseline="0" dirty="0">
                 <a:latin typeface="HelveticaNeue-Condensed"/>
               </a:rPr>
               <a:t>Includes the processes to identify, acquire, and manage the resources needed for the successful completion of the project.</a:t>
@@ -8292,8 +7674,8 @@
         </p:nvSpPr>
         <p:spPr>
           <a:xfrm>
-            <a:off x="485272" y="275961"/>
-            <a:ext cx="10571747" cy="7478970"/>
+            <a:off x="810126" y="1150604"/>
+            <a:ext cx="10571747" cy="5016758"/>
           </a:xfrm>
           <a:prstGeom prst="rect">
             <a:avLst/>
@@ -8307,13 +7689,13 @@
           <a:p>
             <a:pPr algn="just"/>
             <a:r>
-              <a:rPr lang="en-US" sz="2400" b="1" i="0" u="none" strike="noStrike" baseline="0" dirty="0" smtClean="0">
+              <a:rPr lang="en-US" sz="2000" b="1" i="0" u="none" strike="noStrike" baseline="0" dirty="0">
                 <a:latin typeface="HelveticaNeue-BoldCond"/>
               </a:rPr>
               <a:t>Project Communications Management. </a:t>
             </a:r>
             <a:r>
-              <a:rPr lang="en-US" sz="2400" b="0" i="0" u="none" strike="noStrike" baseline="0" dirty="0" smtClean="0">
+              <a:rPr lang="en-US" sz="2000" b="0" i="0" u="none" strike="noStrike" baseline="0" dirty="0">
                 <a:latin typeface="HelveticaNeue-Condensed"/>
               </a:rPr>
               <a:t>Includes the processes required to ensure timely and appropriate planning, collection, creation, distribution, storage, retrieval, management, control, monitoring, and ultimate disposition of project information.</a:t>
@@ -8321,32 +7703,32 @@
           </a:p>
           <a:p>
             <a:pPr algn="just"/>
-            <a:endParaRPr lang="en-US" sz="2400" b="0" i="0" u="none" strike="noStrike" baseline="0" dirty="0" smtClean="0">
+            <a:endParaRPr lang="en-US" sz="2000" b="0" i="0" u="none" strike="noStrike" baseline="0" dirty="0">
               <a:latin typeface="HelveticaNeue-Condensed"/>
             </a:endParaRPr>
           </a:p>
           <a:p>
             <a:pPr algn="just"/>
             <a:r>
-              <a:rPr lang="en-US" sz="2400" b="1" i="0" u="none" strike="noStrike" baseline="0" dirty="0" smtClean="0">
+              <a:rPr lang="en-US" sz="2000" b="1" i="0" u="none" strike="noStrike" baseline="0" dirty="0">
                 <a:latin typeface="HelveticaNeue-BoldCond"/>
               </a:rPr>
               <a:t>Project Risk Management. </a:t>
             </a:r>
             <a:r>
-              <a:rPr lang="en-US" sz="2400" b="0" i="0" u="none" strike="noStrike" baseline="0" dirty="0" smtClean="0">
+              <a:rPr lang="en-US" sz="2000" b="0" i="0" u="none" strike="noStrike" baseline="0" dirty="0">
                 <a:latin typeface="HelveticaNeue-Condensed"/>
               </a:rPr>
               <a:t>Includes the processes of conducting risk management planning, </a:t>
             </a:r>
             <a:r>
-              <a:rPr lang="en-US" sz="2400" b="0" i="0" u="none" strike="noStrike" baseline="0" dirty="0" err="1" smtClean="0">
+              <a:rPr lang="en-US" sz="2000" b="0" i="0" u="none" strike="noStrike" baseline="0" dirty="0" err="1">
                 <a:latin typeface="HelveticaNeue-Condensed"/>
               </a:rPr>
               <a:t>identification,analysis</a:t>
             </a:r>
             <a:r>
-              <a:rPr lang="en-US" sz="2400" b="0" i="0" u="none" strike="noStrike" baseline="0" dirty="0" smtClean="0">
+              <a:rPr lang="en-US" sz="2000" b="0" i="0" u="none" strike="noStrike" baseline="0" dirty="0">
                 <a:latin typeface="HelveticaNeue-Condensed"/>
               </a:rPr>
               <a:t>, response planning, response implementation, and monitoring risk on a project.</a:t>
@@ -8354,38 +7736,38 @@
           </a:p>
           <a:p>
             <a:pPr algn="just"/>
-            <a:endParaRPr lang="en-US" sz="2400" b="0" i="0" u="none" strike="noStrike" baseline="0" dirty="0" smtClean="0">
+            <a:endParaRPr lang="en-US" sz="2000" b="0" i="0" u="none" strike="noStrike" baseline="0" dirty="0">
               <a:latin typeface="HelveticaNeue-Condensed"/>
             </a:endParaRPr>
           </a:p>
           <a:p>
             <a:pPr algn="just"/>
             <a:r>
-              <a:rPr lang="en-US" b="0" i="0" u="none" strike="noStrike" baseline="0" dirty="0" smtClean="0">
+              <a:rPr lang="en-US" sz="1600" b="0" i="0" u="none" strike="noStrike" baseline="0" dirty="0">
                 <a:latin typeface="Wingdings-Regular"/>
               </a:rPr>
               <a:t> </a:t>
             </a:r>
             <a:r>
-              <a:rPr lang="en-US" sz="2400" b="1" i="0" u="none" strike="noStrike" baseline="0" dirty="0" smtClean="0">
+              <a:rPr lang="en-US" sz="2000" b="1" i="0" u="none" strike="noStrike" baseline="0" dirty="0">
                 <a:latin typeface="HelveticaNeue-BoldCond"/>
               </a:rPr>
               <a:t>Project Procurement Management. </a:t>
             </a:r>
             <a:r>
-              <a:rPr lang="en-US" sz="2400" b="0" i="0" u="none" strike="noStrike" baseline="0" dirty="0" smtClean="0">
+              <a:rPr lang="en-US" sz="2000" b="0" i="0" u="none" strike="noStrike" baseline="0" dirty="0">
                 <a:latin typeface="HelveticaNeue-Condensed"/>
               </a:rPr>
               <a:t>Includes the processes necessary to purchase or acquire </a:t>
             </a:r>
             <a:r>
-              <a:rPr lang="en-US" sz="2400" b="0" i="0" u="none" strike="noStrike" baseline="0" dirty="0" err="1" smtClean="0">
+              <a:rPr lang="en-US" sz="2000" b="0" i="0" u="none" strike="noStrike" baseline="0" dirty="0" err="1">
                 <a:latin typeface="HelveticaNeue-Condensed"/>
               </a:rPr>
               <a:t>products,services</a:t>
             </a:r>
             <a:r>
-              <a:rPr lang="en-US" sz="2400" b="0" i="0" u="none" strike="noStrike" baseline="0" dirty="0" smtClean="0">
+              <a:rPr lang="en-US" sz="2000" b="0" i="0" u="none" strike="noStrike" baseline="0" dirty="0">
                 <a:latin typeface="HelveticaNeue-Condensed"/>
               </a:rPr>
               <a:t>, or results needed from outside the project team.</a:t>
@@ -8393,41 +7775,38 @@
           </a:p>
           <a:p>
             <a:pPr algn="just"/>
-            <a:endParaRPr lang="en-US" sz="2400" b="0" i="0" u="none" strike="noStrike" baseline="0" dirty="0" smtClean="0">
+            <a:endParaRPr lang="en-US" sz="2000" b="0" i="0" u="none" strike="noStrike" baseline="0" dirty="0">
               <a:latin typeface="HelveticaNeue-Condensed"/>
             </a:endParaRPr>
           </a:p>
           <a:p>
             <a:pPr algn="just"/>
             <a:r>
-              <a:rPr lang="en-US" b="0" i="0" u="none" strike="noStrike" baseline="0" dirty="0" smtClean="0">
+              <a:rPr lang="en-US" sz="1600" b="0" i="0" u="none" strike="noStrike" baseline="0" dirty="0">
                 <a:latin typeface="Wingdings-Regular"/>
               </a:rPr>
               <a:t> </a:t>
             </a:r>
             <a:r>
-              <a:rPr lang="en-US" sz="2400" b="1" i="0" u="none" strike="noStrike" baseline="0" dirty="0" smtClean="0">
+              <a:rPr lang="en-US" sz="2000" b="1" i="0" u="none" strike="noStrike" baseline="0" dirty="0">
                 <a:latin typeface="HelveticaNeue-BoldCond"/>
               </a:rPr>
               <a:t>Project Stakeholder Management.</a:t>
             </a:r>
-          </a:p>
-          <a:p>
-            <a:pPr algn="just"/>
-            <a:endParaRPr lang="en-US" sz="2400" b="1" dirty="0">
+            <a:endParaRPr lang="en-US" sz="2000" b="1" dirty="0">
               <a:latin typeface="HelveticaNeue-BoldCond"/>
             </a:endParaRPr>
           </a:p>
           <a:p>
             <a:pPr algn="just"/>
             <a:r>
-              <a:rPr lang="en-US" sz="2400" b="1" i="0" u="none" strike="noStrike" baseline="0" dirty="0" smtClean="0">
+              <a:rPr lang="en-US" sz="2000" b="1" i="0" u="none" strike="noStrike" baseline="0" dirty="0">
                 <a:latin typeface="HelveticaNeue-BoldCond"/>
               </a:rPr>
               <a:t> </a:t>
             </a:r>
             <a:r>
-              <a:rPr lang="en-US" sz="2400" b="0" i="0" u="none" strike="noStrike" baseline="0" dirty="0" smtClean="0">
+              <a:rPr lang="en-US" sz="2000" b="0" i="0" u="none" strike="noStrike" baseline="0" dirty="0">
                 <a:latin typeface="HelveticaNeue-Condensed"/>
               </a:rPr>
               <a:t>Includes the processes required to identify the people, groups, or</a:t>
@@ -8436,12 +7815,12 @@
           <a:p>
             <a:pPr algn="just"/>
             <a:r>
-              <a:rPr lang="en-US" sz="2400" b="0" i="0" u="none" strike="noStrike" baseline="0" dirty="0" smtClean="0">
+              <a:rPr lang="en-US" sz="2000" b="0" i="0" u="none" strike="noStrike" baseline="0" dirty="0">
                 <a:latin typeface="HelveticaNeue-Condensed"/>
               </a:rPr>
               <a:t>organizations that could impact or be impacted by the project, to analyze stakeholder expectations and their impact on the project, and to develop appropriate management strategies for effectively engaging stakeholders in project decisions and execution.</a:t>
             </a:r>
-            <a:endParaRPr lang="en-US" sz="2400" dirty="0"/>
+            <a:endParaRPr lang="en-US" sz="2000" dirty="0"/>
           </a:p>
         </p:txBody>
       </p:sp>
@@ -8551,7 +7930,7 @@
           <a:lstStyle/>
           <a:p>
             <a:r>
-              <a:rPr lang="en-US" sz="2400" b="1" i="0" u="none" strike="noStrike" baseline="0" dirty="0" smtClean="0">
+              <a:rPr lang="en-US" sz="2400" b="1" i="0" u="none" strike="noStrike" baseline="0" dirty="0">
                 <a:latin typeface="HelveticaNeue-MediumCond"/>
               </a:rPr>
               <a:t>PROJECT BENEFITS MANAGEMENT PLAN</a:t>
@@ -8624,13 +8003,13 @@
           <a:p>
             <a:pPr algn="just"/>
             <a:r>
-              <a:rPr lang="en-US" sz="2400" b="1" i="0" u="none" strike="noStrike" baseline="0" dirty="0" smtClean="0">
+              <a:rPr lang="en-US" sz="2400" b="1" i="0" u="none" strike="noStrike" baseline="0" dirty="0">
                 <a:latin typeface="HelveticaNeue-BoldCond"/>
               </a:rPr>
               <a:t>Target benefits </a:t>
             </a:r>
             <a:r>
-              <a:rPr lang="en-US" sz="2400" b="0" i="0" u="none" strike="noStrike" baseline="0" dirty="0" smtClean="0">
+              <a:rPr lang="en-US" sz="2400" b="0" i="0" u="none" strike="noStrike" baseline="0" dirty="0">
                 <a:latin typeface="HelveticaNeue-Condensed"/>
               </a:rPr>
               <a:t>(e.g., the expected tangible and intangible value to be gained by the implementation of the project; financial value is expressed as net present value);</a:t>
@@ -8639,13 +8018,13 @@
           <a:p>
             <a:pPr algn="just"/>
             <a:r>
-              <a:rPr lang="en-US" sz="2400" b="1" i="0" u="none" strike="noStrike" baseline="0" dirty="0" smtClean="0">
+              <a:rPr lang="en-US" sz="2400" b="1" i="0" u="none" strike="noStrike" baseline="0" dirty="0">
                 <a:latin typeface="HelveticaNeue-BoldCond"/>
               </a:rPr>
               <a:t>Strategic alignment </a:t>
             </a:r>
             <a:r>
-              <a:rPr lang="en-US" sz="2400" b="0" i="0" u="none" strike="noStrike" baseline="0" dirty="0" smtClean="0">
+              <a:rPr lang="en-US" sz="2400" b="0" i="0" u="none" strike="noStrike" baseline="0" dirty="0">
                 <a:latin typeface="HelveticaNeue-Condensed"/>
               </a:rPr>
               <a:t>(e.g., how well the project benefits align to the business strategies of the organization);</a:t>
@@ -8654,13 +8033,13 @@
           <a:p>
             <a:pPr algn="just"/>
             <a:r>
-              <a:rPr lang="en-US" sz="2400" b="1" i="0" u="none" strike="noStrike" baseline="0" dirty="0" smtClean="0">
+              <a:rPr lang="en-US" sz="2400" b="1" i="0" u="none" strike="noStrike" baseline="0" dirty="0">
                 <a:latin typeface="HelveticaNeue-BoldCond"/>
               </a:rPr>
               <a:t>Timeframe for realizing benefits </a:t>
             </a:r>
             <a:r>
-              <a:rPr lang="en-US" sz="2400" b="0" i="0" u="none" strike="noStrike" baseline="0" dirty="0" smtClean="0">
+              <a:rPr lang="en-US" sz="2400" b="0" i="0" u="none" strike="noStrike" baseline="0" dirty="0">
                 <a:latin typeface="HelveticaNeue-Condensed"/>
               </a:rPr>
               <a:t>(e.g., benefits by phase, short-term, long-term, and ongoing);</a:t>
@@ -8669,13 +8048,13 @@
           <a:p>
             <a:pPr algn="just"/>
             <a:r>
-              <a:rPr lang="en-US" sz="2400" b="1" i="0" u="none" strike="noStrike" baseline="0" dirty="0" smtClean="0">
+              <a:rPr lang="en-US" sz="2400" b="1" i="0" u="none" strike="noStrike" baseline="0" dirty="0">
                 <a:latin typeface="HelveticaNeue-BoldCond"/>
               </a:rPr>
               <a:t>Benefits owner </a:t>
             </a:r>
             <a:r>
-              <a:rPr lang="en-US" sz="2400" b="0" i="0" u="none" strike="noStrike" baseline="0" dirty="0" smtClean="0">
+              <a:rPr lang="en-US" sz="2400" b="0" i="0" u="none" strike="noStrike" baseline="0" dirty="0">
                 <a:latin typeface="HelveticaNeue-Condensed"/>
               </a:rPr>
               <a:t>(e.g., the accountable person to monitor, record, and report realized benefits throughout the timeframe established in the plan);</a:t>
@@ -8684,13 +8063,13 @@
           <a:p>
             <a:pPr algn="just"/>
             <a:r>
-              <a:rPr lang="en-US" sz="2400" b="1" i="0" u="none" strike="noStrike" baseline="0" dirty="0" smtClean="0">
+              <a:rPr lang="en-US" sz="2400" b="1" i="0" u="none" strike="noStrike" baseline="0" dirty="0">
                 <a:latin typeface="HelveticaNeue-BoldCond"/>
               </a:rPr>
               <a:t>Metrics </a:t>
             </a:r>
             <a:r>
-              <a:rPr lang="en-US" sz="2400" b="0" i="0" u="none" strike="noStrike" baseline="0" dirty="0" smtClean="0">
+              <a:rPr lang="en-US" sz="2400" b="0" i="0" u="none" strike="noStrike" baseline="0" dirty="0">
                 <a:latin typeface="HelveticaNeue-Condensed"/>
               </a:rPr>
               <a:t>(e.g., the measures to be used to show benefits realized, direct measures, and indirect measures);</a:t>
@@ -8699,13 +8078,13 @@
           <a:p>
             <a:pPr algn="just"/>
             <a:r>
-              <a:rPr lang="en-US" sz="2400" b="1" i="0" u="none" strike="noStrike" baseline="0" dirty="0" smtClean="0">
+              <a:rPr lang="en-US" sz="2400" b="1" i="0" u="none" strike="noStrike" baseline="0" dirty="0">
                 <a:latin typeface="HelveticaNeue-BoldCond"/>
               </a:rPr>
               <a:t>Assumptions </a:t>
             </a:r>
             <a:r>
-              <a:rPr lang="en-US" sz="2400" b="0" i="0" u="none" strike="noStrike" baseline="0" dirty="0" smtClean="0">
+              <a:rPr lang="en-US" sz="2400" b="0" i="0" u="none" strike="noStrike" baseline="0" dirty="0">
                 <a:latin typeface="HelveticaNeue-Condensed"/>
               </a:rPr>
               <a:t>(e.g., factors expected to be in place or to be in evidence); and</a:t>
@@ -8714,13 +8093,13 @@
           <a:p>
             <a:pPr algn="just"/>
             <a:r>
-              <a:rPr lang="en-US" sz="2400" b="1" i="0" u="none" strike="noStrike" baseline="0" dirty="0" smtClean="0">
+              <a:rPr lang="en-US" sz="2400" b="1" i="0" u="none" strike="noStrike" baseline="0" dirty="0">
                 <a:latin typeface="HelveticaNeue-BoldCond"/>
               </a:rPr>
               <a:t>Risks </a:t>
             </a:r>
             <a:r>
-              <a:rPr lang="en-US" sz="2400" b="0" i="0" u="none" strike="noStrike" baseline="0" dirty="0" smtClean="0">
+              <a:rPr lang="en-US" sz="2400" b="0" i="0" u="none" strike="noStrike" baseline="0" dirty="0">
                 <a:latin typeface="HelveticaNeue-Condensed"/>
               </a:rPr>
               <a:t>(e.g., risks for realization of benefits).</a:t>
